--- a/The Technology that Changed the World.pptx
+++ b/The Technology that Changed the World.pptx
@@ -9,6 +9,10 @@
     <p:sldId id="257" r:id="rId3"/>
     <p:sldId id="258" r:id="rId4"/>
     <p:sldId id="259" r:id="rId5"/>
+    <p:sldId id="264" r:id="rId6"/>
+    <p:sldId id="260" r:id="rId7"/>
+    <p:sldId id="261" r:id="rId8"/>
+    <p:sldId id="262" r:id="rId9"/>
   </p:sldIdLst>
   <p:sldSz cx="12192000" cy="6858000"/>
   <p:notesSz cx="6858000" cy="9144000"/>
@@ -837,7 +841,7 @@
           <a:p>
             <a:fld id="{EA0C0817-A112-4847-8014-A94B7D2A4EA3}" type="datetime1">
               <a:rPr lang="en-US" smtClean="0"/>
-              <a:t>7/29/2019</a:t>
+              <a:t>7/30/2019</a:t>
             </a:fld>
             <a:endParaRPr lang="en-US" dirty="0"/>
           </a:p>
@@ -1088,7 +1092,7 @@
           <a:p>
             <a:fld id="{F6FA2B21-3FCD-4721-B95C-427943F61125}" type="datetime1">
               <a:rPr lang="en-US" smtClean="0"/>
-              <a:t>7/29/2019</a:t>
+              <a:t>7/30/2019</a:t>
             </a:fld>
             <a:endParaRPr lang="en-US"/>
           </a:p>
@@ -1403,7 +1407,7 @@
           <a:p>
             <a:fld id="{F6FA2B21-3FCD-4721-B95C-427943F61125}" type="datetime1">
               <a:rPr lang="en-US" smtClean="0"/>
-              <a:t>7/29/2019</a:t>
+              <a:t>7/30/2019</a:t>
             </a:fld>
             <a:endParaRPr lang="en-US"/>
           </a:p>
@@ -1745,7 +1749,7 @@
           <a:p>
             <a:fld id="{F6FA2B21-3FCD-4721-B95C-427943F61125}" type="datetime1">
               <a:rPr lang="en-US" smtClean="0"/>
-              <a:t>7/29/2019</a:t>
+              <a:t>7/30/2019</a:t>
             </a:fld>
             <a:endParaRPr lang="en-US"/>
           </a:p>
@@ -2060,7 +2064,7 @@
           <a:p>
             <a:fld id="{F6FA2B21-3FCD-4721-B95C-427943F61125}" type="datetime1">
               <a:rPr lang="en-US" smtClean="0"/>
-              <a:t>7/29/2019</a:t>
+              <a:t>7/30/2019</a:t>
             </a:fld>
             <a:endParaRPr lang="en-US"/>
           </a:p>
@@ -2454,7 +2458,7 @@
           <a:p>
             <a:fld id="{F6FA2B21-3FCD-4721-B95C-427943F61125}" type="datetime1">
               <a:rPr lang="en-US" smtClean="0"/>
-              <a:t>7/29/2019</a:t>
+              <a:t>7/30/2019</a:t>
             </a:fld>
             <a:endParaRPr lang="en-US"/>
           </a:p>
@@ -2625,7 +2629,7 @@
           <a:p>
             <a:fld id="{134F40B7-36AB-4376-BE14-EF7004D79BB9}" type="datetime1">
               <a:rPr lang="en-US" smtClean="0"/>
-              <a:t>7/29/2019</a:t>
+              <a:t>7/30/2019</a:t>
             </a:fld>
             <a:endParaRPr lang="en-US"/>
           </a:p>
@@ -2805,7 +2809,7 @@
           <a:p>
             <a:fld id="{FF87CAB8-DCAE-46A5-AADA-B3FAD11A54E0}" type="datetime1">
               <a:rPr lang="en-US" smtClean="0"/>
-              <a:t>7/29/2019</a:t>
+              <a:t>7/30/2019</a:t>
             </a:fld>
             <a:endParaRPr lang="en-US"/>
           </a:p>
@@ -2981,7 +2985,7 @@
           <a:p>
             <a:fld id="{7332B432-ACDA-4023-A761-2BAB76577B62}" type="datetime1">
               <a:rPr lang="en-US" smtClean="0"/>
-              <a:t>7/29/2019</a:t>
+              <a:t>7/30/2019</a:t>
             </a:fld>
             <a:endParaRPr lang="en-US"/>
           </a:p>
@@ -3228,7 +3232,7 @@
           <a:p>
             <a:fld id="{D9C646AA-F36E-4540-911D-FFFC0A0EF24A}" type="datetime1">
               <a:rPr lang="en-US" smtClean="0"/>
-              <a:t>7/29/2019</a:t>
+              <a:t>7/30/2019</a:t>
             </a:fld>
             <a:endParaRPr lang="en-US" dirty="0"/>
           </a:p>
@@ -3460,7 +3464,7 @@
           <a:p>
             <a:fld id="{69186D26-FA5F-4637-B602-B7C2DC34CFD4}" type="datetime1">
               <a:rPr lang="en-US" smtClean="0"/>
-              <a:t>7/29/2019</a:t>
+              <a:t>7/30/2019</a:t>
             </a:fld>
             <a:endParaRPr lang="en-US"/>
           </a:p>
@@ -3834,7 +3838,7 @@
           <a:p>
             <a:fld id="{8A7F15D8-96D1-4781-BC50-CA8A088B2FE4}" type="datetime1">
               <a:rPr lang="en-US" smtClean="0"/>
-              <a:t>7/29/2019</a:t>
+              <a:t>7/30/2019</a:t>
             </a:fld>
             <a:endParaRPr lang="en-US"/>
           </a:p>
@@ -3957,7 +3961,7 @@
           <a:p>
             <a:fld id="{F9A96C99-B8F8-4528-BD05-0E16E943DC09}" type="datetime1">
               <a:rPr lang="en-US" smtClean="0"/>
-              <a:t>7/29/2019</a:t>
+              <a:t>7/30/2019</a:t>
             </a:fld>
             <a:endParaRPr lang="en-US"/>
           </a:p>
@@ -4052,7 +4056,7 @@
           <a:p>
             <a:fld id="{03636942-C211-4B28-8DBD-C953E00AF71B}" type="datetime1">
               <a:rPr lang="en-US" smtClean="0"/>
-              <a:t>7/29/2019</a:t>
+              <a:t>7/30/2019</a:t>
             </a:fld>
             <a:endParaRPr lang="en-US"/>
           </a:p>
@@ -4307,7 +4311,7 @@
           <a:p>
             <a:fld id="{7E8D12A6-918A-48BD-8CB9-CA713993B0EA}" type="datetime1">
               <a:rPr lang="en-US" smtClean="0"/>
-              <a:t>7/29/2019</a:t>
+              <a:t>7/30/2019</a:t>
             </a:fld>
             <a:endParaRPr lang="en-US"/>
           </a:p>
@@ -4571,7 +4575,7 @@
             <a:fld id="{E778CE86-875F-4587-BCF6-FA054AFC0D53}" type="datetime1">
               <a:rPr lang="en-US" smtClean="0"/>
               <a:pPr/>
-              <a:t>7/29/2019</a:t>
+              <a:t>7/30/2019</a:t>
             </a:fld>
             <a:endParaRPr lang="en-US" dirty="0"/>
           </a:p>
@@ -5320,7 +5324,7 @@
           <a:p>
             <a:fld id="{F6FA2B21-3FCD-4721-B95C-427943F61125}" type="datetime1">
               <a:rPr lang="en-US" smtClean="0"/>
-              <a:t>7/29/2019</a:t>
+              <a:t>7/30/2019</a:t>
             </a:fld>
             <a:endParaRPr lang="en-US"/>
           </a:p>
@@ -6333,44 +6337,763 @@
             <a:pPr algn="ctr"/>
             <a:r>
               <a:rPr lang="en-US" dirty="0"/>
-              <a:t>Were we able to answer these questions to </a:t>
-            </a:r>
-            <a:r>
-              <a:rPr lang="en-US"/>
-              <a:t>our satisfaction???</a:t>
-            </a:r>
-          </a:p>
-        </p:txBody>
-      </p:sp>
-      <p:sp>
-        <p:nvSpPr>
-          <p:cNvPr id="3" name="Content Placeholder 2">
+              <a:t>Technology’s impact on the crime rate:</a:t>
+            </a:r>
+          </a:p>
+        </p:txBody>
+      </p:sp>
+      <p:pic>
+        <p:nvPicPr>
+          <p:cNvPr id="5" name="Content Placeholder 4">
             <a:extLst>
               <a:ext uri="{FF2B5EF4-FFF2-40B4-BE49-F238E27FC236}">
-                <a16:creationId xmlns:a16="http://schemas.microsoft.com/office/drawing/2014/main" id="{38A52875-5FEE-4A2E-8AEA-7EE635E1D3F1}"/>
+                <a16:creationId xmlns:a16="http://schemas.microsoft.com/office/drawing/2014/main" id="{BDA7542B-870E-4CE0-BE2B-27CCB5A32345}"/>
               </a:ext>
             </a:extLst>
           </p:cNvPr>
-          <p:cNvSpPr>
-            <a:spLocks noGrp="1"/>
-          </p:cNvSpPr>
+          <p:cNvPicPr>
+            <a:picLocks noGrp="1" noChangeAspect="1"/>
+          </p:cNvPicPr>
           <p:nvPr>
             <p:ph idx="1"/>
           </p:nvPr>
-        </p:nvSpPr>
-        <p:spPr/>
-        <p:txBody>
-          <a:bodyPr/>
-          <a:lstStyle/>
-          <a:p>
-            <a:endParaRPr lang="en-US"/>
-          </a:p>
-        </p:txBody>
-      </p:sp>
+        </p:nvPicPr>
+        <p:blipFill rotWithShape="1">
+          <a:blip r:embed="rId2">
+            <a:extLst>
+              <a:ext uri="{28A0092B-C50C-407E-A947-70E740481C1C}">
+                <a14:useLocalDpi xmlns:a14="http://schemas.microsoft.com/office/drawing/2010/main" val="0"/>
+              </a:ext>
+            </a:extLst>
+          </a:blip>
+          <a:srcRect l="-1" t="-1" r="-39584" b="-39584"/>
+          <a:stretch/>
+        </p:blipFill>
+        <p:spPr>
+          <a:xfrm>
+            <a:off x="677334" y="3775664"/>
+            <a:ext cx="5175249" cy="3881437"/>
+          </a:xfrm>
+        </p:spPr>
+      </p:pic>
+      <p:pic>
+        <p:nvPicPr>
+          <p:cNvPr id="9" name="Picture 8">
+            <a:extLst>
+              <a:ext uri="{FF2B5EF4-FFF2-40B4-BE49-F238E27FC236}">
+                <a16:creationId xmlns:a16="http://schemas.microsoft.com/office/drawing/2014/main" id="{C48EA16B-BC5F-4701-91E4-327FDDFB7512}"/>
+              </a:ext>
+            </a:extLst>
+          </p:cNvPr>
+          <p:cNvPicPr>
+            <a:picLocks noChangeAspect="1"/>
+          </p:cNvPicPr>
+          <p:nvPr/>
+        </p:nvPicPr>
+        <p:blipFill>
+          <a:blip r:embed="rId3">
+            <a:extLst>
+              <a:ext uri="{28A0092B-C50C-407E-A947-70E740481C1C}">
+                <a14:useLocalDpi xmlns:a14="http://schemas.microsoft.com/office/drawing/2010/main" val="0"/>
+              </a:ext>
+            </a:extLst>
+          </a:blip>
+          <a:stretch>
+            <a:fillRect/>
+          </a:stretch>
+        </p:blipFill>
+        <p:spPr>
+          <a:xfrm>
+            <a:off x="7503950" y="1389602"/>
+            <a:ext cx="3540103" cy="2655077"/>
+          </a:xfrm>
+          <a:prstGeom prst="rect">
+            <a:avLst/>
+          </a:prstGeom>
+        </p:spPr>
+      </p:pic>
+      <p:pic>
+        <p:nvPicPr>
+          <p:cNvPr id="13" name="Picture 12">
+            <a:extLst>
+              <a:ext uri="{FF2B5EF4-FFF2-40B4-BE49-F238E27FC236}">
+                <a16:creationId xmlns:a16="http://schemas.microsoft.com/office/drawing/2014/main" id="{BFDAD25D-B37F-478B-9B95-1FC6AAE7C86A}"/>
+              </a:ext>
+            </a:extLst>
+          </p:cNvPr>
+          <p:cNvPicPr>
+            <a:picLocks noChangeAspect="1"/>
+          </p:cNvPicPr>
+          <p:nvPr/>
+        </p:nvPicPr>
+        <p:blipFill>
+          <a:blip r:embed="rId4">
+            <a:extLst>
+              <a:ext uri="{28A0092B-C50C-407E-A947-70E740481C1C}">
+                <a14:useLocalDpi xmlns:a14="http://schemas.microsoft.com/office/drawing/2010/main" val="0"/>
+              </a:ext>
+            </a:extLst>
+          </a:blip>
+          <a:stretch>
+            <a:fillRect/>
+          </a:stretch>
+        </p:blipFill>
+        <p:spPr>
+          <a:xfrm>
+            <a:off x="4838437" y="4313695"/>
+            <a:ext cx="3695886" cy="2374662"/>
+          </a:xfrm>
+          <a:prstGeom prst="rect">
+            <a:avLst/>
+          </a:prstGeom>
+        </p:spPr>
+      </p:pic>
+      <p:pic>
+        <p:nvPicPr>
+          <p:cNvPr id="15" name="Picture 14">
+            <a:extLst>
+              <a:ext uri="{FF2B5EF4-FFF2-40B4-BE49-F238E27FC236}">
+                <a16:creationId xmlns:a16="http://schemas.microsoft.com/office/drawing/2014/main" id="{0D97CD8A-649D-43BE-B37B-4A14B768C130}"/>
+              </a:ext>
+            </a:extLst>
+          </p:cNvPr>
+          <p:cNvPicPr>
+            <a:picLocks noChangeAspect="1"/>
+          </p:cNvPicPr>
+          <p:nvPr/>
+        </p:nvPicPr>
+        <p:blipFill>
+          <a:blip r:embed="rId5">
+            <a:extLst>
+              <a:ext uri="{28A0092B-C50C-407E-A947-70E740481C1C}">
+                <a14:useLocalDpi xmlns:a14="http://schemas.microsoft.com/office/drawing/2010/main" val="0"/>
+              </a:ext>
+            </a:extLst>
+          </a:blip>
+          <a:stretch>
+            <a:fillRect/>
+          </a:stretch>
+        </p:blipFill>
+        <p:spPr>
+          <a:xfrm>
+            <a:off x="1712466" y="1544843"/>
+            <a:ext cx="3442629" cy="1577204"/>
+          </a:xfrm>
+          <a:prstGeom prst="rect">
+            <a:avLst/>
+          </a:prstGeom>
+        </p:spPr>
+      </p:pic>
     </p:spTree>
     <p:extLst>
       <p:ext uri="{BB962C8B-B14F-4D97-AF65-F5344CB8AC3E}">
         <p14:creationId xmlns:p14="http://schemas.microsoft.com/office/powerpoint/2010/main" val="3788668214"/>
+      </p:ext>
+    </p:extLst>
+  </p:cSld>
+  <p:clrMapOvr>
+    <a:masterClrMapping/>
+  </p:clrMapOvr>
+</p:sld>
+</file>
+
+<file path=ppt/slides/slide5.xml><?xml version="1.0" encoding="utf-8"?>
+<p:sld xmlns:a="http://schemas.openxmlformats.org/drawingml/2006/main" xmlns:r="http://schemas.openxmlformats.org/officeDocument/2006/relationships" xmlns:p="http://schemas.openxmlformats.org/presentationml/2006/main">
+  <p:cSld>
+    <p:spTree>
+      <p:nvGrpSpPr>
+        <p:cNvPr id="1" name=""/>
+        <p:cNvGrpSpPr/>
+        <p:nvPr/>
+      </p:nvGrpSpPr>
+      <p:grpSpPr>
+        <a:xfrm>
+          <a:off x="0" y="0"/>
+          <a:ext cx="0" cy="0"/>
+          <a:chOff x="0" y="0"/>
+          <a:chExt cx="0" cy="0"/>
+        </a:xfrm>
+      </p:grpSpPr>
+      <p:sp>
+        <p:nvSpPr>
+          <p:cNvPr id="2" name="Title 1">
+            <a:extLst>
+              <a:ext uri="{FF2B5EF4-FFF2-40B4-BE49-F238E27FC236}">
+                <a16:creationId xmlns:a16="http://schemas.microsoft.com/office/drawing/2014/main" id="{46524879-53EC-4347-B56F-4CF24A372954}"/>
+              </a:ext>
+            </a:extLst>
+          </p:cNvPr>
+          <p:cNvSpPr>
+            <a:spLocks noGrp="1"/>
+          </p:cNvSpPr>
+          <p:nvPr>
+            <p:ph type="title"/>
+          </p:nvPr>
+        </p:nvSpPr>
+        <p:spPr/>
+        <p:txBody>
+          <a:bodyPr/>
+          <a:lstStyle/>
+          <a:p>
+            <a:r>
+              <a:rPr lang="en-US" dirty="0"/>
+              <a:t>…Crime rate continued.</a:t>
+            </a:r>
+          </a:p>
+        </p:txBody>
+      </p:sp>
+      <p:pic>
+        <p:nvPicPr>
+          <p:cNvPr id="5" name="Content Placeholder 4">
+            <a:extLst>
+              <a:ext uri="{FF2B5EF4-FFF2-40B4-BE49-F238E27FC236}">
+                <a16:creationId xmlns:a16="http://schemas.microsoft.com/office/drawing/2014/main" id="{9E623974-D0C4-4699-B3B1-2A4FC7171586}"/>
+              </a:ext>
+            </a:extLst>
+          </p:cNvPr>
+          <p:cNvPicPr>
+            <a:picLocks noGrp="1" noChangeAspect="1"/>
+          </p:cNvPicPr>
+          <p:nvPr>
+            <p:ph idx="1"/>
+          </p:nvPr>
+        </p:nvPicPr>
+        <p:blipFill>
+          <a:blip r:embed="rId2">
+            <a:extLst>
+              <a:ext uri="{28A0092B-C50C-407E-A947-70E740481C1C}">
+                <a14:useLocalDpi xmlns:a14="http://schemas.microsoft.com/office/drawing/2010/main" val="0"/>
+              </a:ext>
+            </a:extLst>
+          </a:blip>
+          <a:stretch>
+            <a:fillRect/>
+          </a:stretch>
+        </p:blipFill>
+        <p:spPr>
+          <a:xfrm>
+            <a:off x="677334" y="3264695"/>
+            <a:ext cx="4434416" cy="3325812"/>
+          </a:xfrm>
+        </p:spPr>
+      </p:pic>
+      <p:pic>
+        <p:nvPicPr>
+          <p:cNvPr id="7" name="Picture 6">
+            <a:extLst>
+              <a:ext uri="{FF2B5EF4-FFF2-40B4-BE49-F238E27FC236}">
+                <a16:creationId xmlns:a16="http://schemas.microsoft.com/office/drawing/2014/main" id="{B27A232E-7A04-4AE6-8141-4CD8EE2B2A95}"/>
+              </a:ext>
+            </a:extLst>
+          </p:cNvPr>
+          <p:cNvPicPr>
+            <a:picLocks noChangeAspect="1"/>
+          </p:cNvPicPr>
+          <p:nvPr/>
+        </p:nvPicPr>
+        <p:blipFill>
+          <a:blip r:embed="rId3">
+            <a:extLst>
+              <a:ext uri="{28A0092B-C50C-407E-A947-70E740481C1C}">
+                <a14:useLocalDpi xmlns:a14="http://schemas.microsoft.com/office/drawing/2010/main" val="0"/>
+              </a:ext>
+            </a:extLst>
+          </a:blip>
+          <a:stretch>
+            <a:fillRect/>
+          </a:stretch>
+        </p:blipFill>
+        <p:spPr>
+          <a:xfrm>
+            <a:off x="6427304" y="480278"/>
+            <a:ext cx="4679791" cy="3509843"/>
+          </a:xfrm>
+          <a:prstGeom prst="rect">
+            <a:avLst/>
+          </a:prstGeom>
+        </p:spPr>
+      </p:pic>
+      <p:pic>
+        <p:nvPicPr>
+          <p:cNvPr id="9" name="Picture 8">
+            <a:extLst>
+              <a:ext uri="{FF2B5EF4-FFF2-40B4-BE49-F238E27FC236}">
+                <a16:creationId xmlns:a16="http://schemas.microsoft.com/office/drawing/2014/main" id="{4F890243-B1F4-450C-AF8A-74E68A150D53}"/>
+              </a:ext>
+            </a:extLst>
+          </p:cNvPr>
+          <p:cNvPicPr>
+            <a:picLocks noChangeAspect="1"/>
+          </p:cNvPicPr>
+          <p:nvPr/>
+        </p:nvPicPr>
+        <p:blipFill>
+          <a:blip r:embed="rId4">
+            <a:extLst>
+              <a:ext uri="{28A0092B-C50C-407E-A947-70E740481C1C}">
+                <a14:useLocalDpi xmlns:a14="http://schemas.microsoft.com/office/drawing/2010/main" val="0"/>
+              </a:ext>
+            </a:extLst>
+          </a:blip>
+          <a:stretch>
+            <a:fillRect/>
+          </a:stretch>
+        </p:blipFill>
+        <p:spPr>
+          <a:xfrm>
+            <a:off x="8039838" y="4622800"/>
+            <a:ext cx="2735953" cy="1856382"/>
+          </a:xfrm>
+          <a:prstGeom prst="rect">
+            <a:avLst/>
+          </a:prstGeom>
+        </p:spPr>
+      </p:pic>
+    </p:spTree>
+    <p:extLst>
+      <p:ext uri="{BB962C8B-B14F-4D97-AF65-F5344CB8AC3E}">
+        <p14:creationId xmlns:p14="http://schemas.microsoft.com/office/powerpoint/2010/main" val="2232365124"/>
+      </p:ext>
+    </p:extLst>
+  </p:cSld>
+  <p:clrMapOvr>
+    <a:masterClrMapping/>
+  </p:clrMapOvr>
+</p:sld>
+</file>
+
+<file path=ppt/slides/slide6.xml><?xml version="1.0" encoding="utf-8"?>
+<p:sld xmlns:a="http://schemas.openxmlformats.org/drawingml/2006/main" xmlns:r="http://schemas.openxmlformats.org/officeDocument/2006/relationships" xmlns:p="http://schemas.openxmlformats.org/presentationml/2006/main">
+  <p:cSld>
+    <p:bg>
+      <p:bgPr>
+        <a:blipFill>
+          <a:blip r:embed="rId2"/>
+          <a:tile tx="0" ty="0" sx="100000" sy="100000" flip="none" algn="tl"/>
+        </a:blipFill>
+        <a:effectLst/>
+      </p:bgPr>
+    </p:bg>
+    <p:spTree>
+      <p:nvGrpSpPr>
+        <p:cNvPr id="1" name=""/>
+        <p:cNvGrpSpPr/>
+        <p:nvPr/>
+      </p:nvGrpSpPr>
+      <p:grpSpPr>
+        <a:xfrm>
+          <a:off x="0" y="0"/>
+          <a:ext cx="0" cy="0"/>
+          <a:chOff x="0" y="0"/>
+          <a:chExt cx="0" cy="0"/>
+        </a:xfrm>
+      </p:grpSpPr>
+      <p:sp>
+        <p:nvSpPr>
+          <p:cNvPr id="2" name="Title 1">
+            <a:extLst>
+              <a:ext uri="{FF2B5EF4-FFF2-40B4-BE49-F238E27FC236}">
+                <a16:creationId xmlns:a16="http://schemas.microsoft.com/office/drawing/2014/main" id="{016964E3-BB36-4C01-A402-837852D2B585}"/>
+              </a:ext>
+            </a:extLst>
+          </p:cNvPr>
+          <p:cNvSpPr>
+            <a:spLocks noGrp="1"/>
+          </p:cNvSpPr>
+          <p:nvPr>
+            <p:ph type="title"/>
+          </p:nvPr>
+        </p:nvSpPr>
+        <p:spPr/>
+        <p:txBody>
+          <a:bodyPr/>
+          <a:lstStyle/>
+          <a:p>
+            <a:r>
+              <a:rPr lang="en-US" dirty="0"/>
+              <a:t>Technology’s impact on young people:</a:t>
+            </a:r>
+          </a:p>
+        </p:txBody>
+      </p:sp>
+      <p:pic>
+        <p:nvPicPr>
+          <p:cNvPr id="5" name="Content Placeholder 4">
+            <a:extLst>
+              <a:ext uri="{FF2B5EF4-FFF2-40B4-BE49-F238E27FC236}">
+                <a16:creationId xmlns:a16="http://schemas.microsoft.com/office/drawing/2014/main" id="{977AAFB7-D736-43B8-B284-11D01F691B6A}"/>
+              </a:ext>
+            </a:extLst>
+          </p:cNvPr>
+          <p:cNvPicPr>
+            <a:picLocks noGrp="1" noChangeAspect="1"/>
+          </p:cNvPicPr>
+          <p:nvPr>
+            <p:ph idx="1"/>
+          </p:nvPr>
+        </p:nvPicPr>
+        <p:blipFill>
+          <a:blip r:embed="rId3">
+            <a:extLst>
+              <a:ext uri="{28A0092B-C50C-407E-A947-70E740481C1C}">
+                <a14:useLocalDpi xmlns:a14="http://schemas.microsoft.com/office/drawing/2010/main" val="0"/>
+              </a:ext>
+            </a:extLst>
+          </a:blip>
+          <a:stretch>
+            <a:fillRect/>
+          </a:stretch>
+        </p:blipFill>
+        <p:spPr>
+          <a:xfrm>
+            <a:off x="97321" y="1438768"/>
+            <a:ext cx="8596312" cy="3488833"/>
+          </a:xfrm>
+        </p:spPr>
+      </p:pic>
+      <p:pic>
+        <p:nvPicPr>
+          <p:cNvPr id="7" name="Picture 6">
+            <a:extLst>
+              <a:ext uri="{FF2B5EF4-FFF2-40B4-BE49-F238E27FC236}">
+                <a16:creationId xmlns:a16="http://schemas.microsoft.com/office/drawing/2014/main" id="{6407C269-7A5C-44AE-8890-6556767C9A39}"/>
+              </a:ext>
+            </a:extLst>
+          </p:cNvPr>
+          <p:cNvPicPr>
+            <a:picLocks noChangeAspect="1"/>
+          </p:cNvPicPr>
+          <p:nvPr/>
+        </p:nvPicPr>
+        <p:blipFill>
+          <a:blip r:embed="rId4">
+            <a:extLst>
+              <a:ext uri="{28A0092B-C50C-407E-A947-70E740481C1C}">
+                <a14:useLocalDpi xmlns:a14="http://schemas.microsoft.com/office/drawing/2010/main" val="0"/>
+              </a:ext>
+            </a:extLst>
+          </a:blip>
+          <a:stretch>
+            <a:fillRect/>
+          </a:stretch>
+        </p:blipFill>
+        <p:spPr>
+          <a:xfrm>
+            <a:off x="8892210" y="4662558"/>
+            <a:ext cx="2924174" cy="1909762"/>
+          </a:xfrm>
+          <a:prstGeom prst="rect">
+            <a:avLst/>
+          </a:prstGeom>
+        </p:spPr>
+      </p:pic>
+    </p:spTree>
+    <p:extLst>
+      <p:ext uri="{BB962C8B-B14F-4D97-AF65-F5344CB8AC3E}">
+        <p14:creationId xmlns:p14="http://schemas.microsoft.com/office/powerpoint/2010/main" val="349737418"/>
+      </p:ext>
+    </p:extLst>
+  </p:cSld>
+  <p:clrMapOvr>
+    <a:masterClrMapping/>
+  </p:clrMapOvr>
+</p:sld>
+</file>
+
+<file path=ppt/slides/slide7.xml><?xml version="1.0" encoding="utf-8"?>
+<p:sld xmlns:a="http://schemas.openxmlformats.org/drawingml/2006/main" xmlns:r="http://schemas.openxmlformats.org/officeDocument/2006/relationships" xmlns:p="http://schemas.openxmlformats.org/presentationml/2006/main">
+  <p:cSld>
+    <p:spTree>
+      <p:nvGrpSpPr>
+        <p:cNvPr id="1" name=""/>
+        <p:cNvGrpSpPr/>
+        <p:nvPr/>
+      </p:nvGrpSpPr>
+      <p:grpSpPr>
+        <a:xfrm>
+          <a:off x="0" y="0"/>
+          <a:ext cx="0" cy="0"/>
+          <a:chOff x="0" y="0"/>
+          <a:chExt cx="0" cy="0"/>
+        </a:xfrm>
+      </p:grpSpPr>
+      <p:sp>
+        <p:nvSpPr>
+          <p:cNvPr id="2" name="Title 1">
+            <a:extLst>
+              <a:ext uri="{FF2B5EF4-FFF2-40B4-BE49-F238E27FC236}">
+                <a16:creationId xmlns:a16="http://schemas.microsoft.com/office/drawing/2014/main" id="{4E71069C-877E-4760-A454-4D363B2DB4EC}"/>
+              </a:ext>
+            </a:extLst>
+          </p:cNvPr>
+          <p:cNvSpPr>
+            <a:spLocks noGrp="1"/>
+          </p:cNvSpPr>
+          <p:nvPr>
+            <p:ph type="title"/>
+          </p:nvPr>
+        </p:nvSpPr>
+        <p:spPr/>
+        <p:txBody>
+          <a:bodyPr/>
+          <a:lstStyle/>
+          <a:p>
+            <a:r>
+              <a:rPr lang="en-US" dirty="0"/>
+              <a:t>Technology’s impact employment:</a:t>
+            </a:r>
+          </a:p>
+        </p:txBody>
+      </p:sp>
+      <p:pic>
+        <p:nvPicPr>
+          <p:cNvPr id="5" name="Content Placeholder 4">
+            <a:extLst>
+              <a:ext uri="{FF2B5EF4-FFF2-40B4-BE49-F238E27FC236}">
+                <a16:creationId xmlns:a16="http://schemas.microsoft.com/office/drawing/2014/main" id="{CB90E754-B556-4BF8-B4AF-EAC092347D2C}"/>
+              </a:ext>
+            </a:extLst>
+          </p:cNvPr>
+          <p:cNvPicPr>
+            <a:picLocks noGrp="1" noChangeAspect="1"/>
+          </p:cNvPicPr>
+          <p:nvPr>
+            <p:ph idx="1"/>
+          </p:nvPr>
+        </p:nvPicPr>
+        <p:blipFill>
+          <a:blip r:embed="rId2">
+            <a:extLst>
+              <a:ext uri="{28A0092B-C50C-407E-A947-70E740481C1C}">
+                <a14:useLocalDpi xmlns:a14="http://schemas.microsoft.com/office/drawing/2010/main" val="0"/>
+              </a:ext>
+            </a:extLst>
+          </a:blip>
+          <a:stretch>
+            <a:fillRect/>
+          </a:stretch>
+        </p:blipFill>
+        <p:spPr>
+          <a:xfrm>
+            <a:off x="4613230" y="2743604"/>
+            <a:ext cx="7027420" cy="3939159"/>
+          </a:xfrm>
+        </p:spPr>
+      </p:pic>
+      <p:sp>
+        <p:nvSpPr>
+          <p:cNvPr id="6" name="AutoShape 2" descr="Image result for men at work sign">
+            <a:extLst>
+              <a:ext uri="{FF2B5EF4-FFF2-40B4-BE49-F238E27FC236}">
+                <a16:creationId xmlns:a16="http://schemas.microsoft.com/office/drawing/2014/main" id="{A8191E25-0F7F-495D-B9C3-0562041BCBB1}"/>
+              </a:ext>
+            </a:extLst>
+          </p:cNvPr>
+          <p:cNvSpPr>
+            <a:spLocks noChangeAspect="1" noChangeArrowheads="1"/>
+          </p:cNvSpPr>
+          <p:nvPr/>
+        </p:nvSpPr>
+        <p:spPr bwMode="auto">
+          <a:xfrm>
+            <a:off x="5943600" y="3276600"/>
+            <a:ext cx="304800" cy="304800"/>
+          </a:xfrm>
+          <a:prstGeom prst="rect">
+            <a:avLst/>
+          </a:prstGeom>
+          <a:noFill/>
+          <a:extLst>
+            <a:ext uri="{909E8E84-426E-40DD-AFC4-6F175D3DCCD1}">
+              <a14:hiddenFill xmlns:a14="http://schemas.microsoft.com/office/drawing/2010/main">
+                <a:solidFill>
+                  <a:srgbClr val="FFFFFF"/>
+                </a:solidFill>
+              </a14:hiddenFill>
+            </a:ext>
+          </a:extLst>
+        </p:spPr>
+        <p:txBody>
+          <a:bodyPr vert="horz" wrap="square" lIns="91440" tIns="45720" rIns="91440" bIns="45720" numCol="1" anchor="t" anchorCtr="0" compatLnSpc="1">
+            <a:prstTxWarp prst="textNoShape">
+              <a:avLst/>
+            </a:prstTxWarp>
+          </a:bodyPr>
+          <a:lstStyle/>
+          <a:p>
+            <a:endParaRPr lang="en-US"/>
+          </a:p>
+        </p:txBody>
+      </p:sp>
+      <p:pic>
+        <p:nvPicPr>
+          <p:cNvPr id="8" name="Picture 7">
+            <a:extLst>
+              <a:ext uri="{FF2B5EF4-FFF2-40B4-BE49-F238E27FC236}">
+                <a16:creationId xmlns:a16="http://schemas.microsoft.com/office/drawing/2014/main" id="{3F78D4F1-0C89-4E4C-A423-00DE3A5E7958}"/>
+              </a:ext>
+            </a:extLst>
+          </p:cNvPr>
+          <p:cNvPicPr>
+            <a:picLocks noChangeAspect="1"/>
+          </p:cNvPicPr>
+          <p:nvPr/>
+        </p:nvPicPr>
+        <p:blipFill>
+          <a:blip r:embed="rId3">
+            <a:extLst>
+              <a:ext uri="{28A0092B-C50C-407E-A947-70E740481C1C}">
+                <a14:useLocalDpi xmlns:a14="http://schemas.microsoft.com/office/drawing/2010/main" val="0"/>
+              </a:ext>
+            </a:extLst>
+          </a:blip>
+          <a:stretch>
+            <a:fillRect/>
+          </a:stretch>
+        </p:blipFill>
+        <p:spPr>
+          <a:xfrm>
+            <a:off x="318053" y="1409552"/>
+            <a:ext cx="4054720" cy="2276436"/>
+          </a:xfrm>
+          <a:prstGeom prst="rect">
+            <a:avLst/>
+          </a:prstGeom>
+        </p:spPr>
+      </p:pic>
+    </p:spTree>
+    <p:extLst>
+      <p:ext uri="{BB962C8B-B14F-4D97-AF65-F5344CB8AC3E}">
+        <p14:creationId xmlns:p14="http://schemas.microsoft.com/office/powerpoint/2010/main" val="3262649415"/>
+      </p:ext>
+    </p:extLst>
+  </p:cSld>
+  <p:clrMapOvr>
+    <a:masterClrMapping/>
+  </p:clrMapOvr>
+</p:sld>
+</file>
+
+<file path=ppt/slides/slide8.xml><?xml version="1.0" encoding="utf-8"?>
+<p:sld xmlns:a="http://schemas.openxmlformats.org/drawingml/2006/main" xmlns:r="http://schemas.openxmlformats.org/officeDocument/2006/relationships" xmlns:p="http://schemas.openxmlformats.org/presentationml/2006/main">
+  <p:cSld>
+    <p:spTree>
+      <p:nvGrpSpPr>
+        <p:cNvPr id="1" name=""/>
+        <p:cNvGrpSpPr/>
+        <p:nvPr/>
+      </p:nvGrpSpPr>
+      <p:grpSpPr>
+        <a:xfrm>
+          <a:off x="0" y="0"/>
+          <a:ext cx="0" cy="0"/>
+          <a:chOff x="0" y="0"/>
+          <a:chExt cx="0" cy="0"/>
+        </a:xfrm>
+      </p:grpSpPr>
+      <p:sp>
+        <p:nvSpPr>
+          <p:cNvPr id="2" name="Title 1">
+            <a:extLst>
+              <a:ext uri="{FF2B5EF4-FFF2-40B4-BE49-F238E27FC236}">
+                <a16:creationId xmlns:a16="http://schemas.microsoft.com/office/drawing/2014/main" id="{D641B542-E498-448B-B87A-54D5B8EB1447}"/>
+              </a:ext>
+            </a:extLst>
+          </p:cNvPr>
+          <p:cNvSpPr>
+            <a:spLocks noGrp="1"/>
+          </p:cNvSpPr>
+          <p:nvPr>
+            <p:ph type="title"/>
+          </p:nvPr>
+        </p:nvSpPr>
+        <p:spPr/>
+        <p:txBody>
+          <a:bodyPr/>
+          <a:lstStyle/>
+          <a:p>
+            <a:r>
+              <a:rPr lang="en-US" dirty="0"/>
+              <a:t>Technology’s impact on education:</a:t>
+            </a:r>
+          </a:p>
+        </p:txBody>
+      </p:sp>
+      <p:pic>
+        <p:nvPicPr>
+          <p:cNvPr id="5" name="Content Placeholder 4">
+            <a:extLst>
+              <a:ext uri="{FF2B5EF4-FFF2-40B4-BE49-F238E27FC236}">
+                <a16:creationId xmlns:a16="http://schemas.microsoft.com/office/drawing/2014/main" id="{ED60045C-76BC-46E0-ABE3-DD0BA6671FA6}"/>
+              </a:ext>
+            </a:extLst>
+          </p:cNvPr>
+          <p:cNvPicPr>
+            <a:picLocks noGrp="1" noChangeAspect="1"/>
+          </p:cNvPicPr>
+          <p:nvPr>
+            <p:ph idx="1"/>
+          </p:nvPr>
+        </p:nvPicPr>
+        <p:blipFill>
+          <a:blip r:embed="rId2">
+            <a:extLst>
+              <a:ext uri="{28A0092B-C50C-407E-A947-70E740481C1C}">
+                <a14:useLocalDpi xmlns:a14="http://schemas.microsoft.com/office/drawing/2010/main" val="0"/>
+              </a:ext>
+            </a:extLst>
+          </a:blip>
+          <a:stretch>
+            <a:fillRect/>
+          </a:stretch>
+        </p:blipFill>
+        <p:spPr>
+          <a:xfrm>
+            <a:off x="677334" y="1342887"/>
+            <a:ext cx="5708339" cy="4281255"/>
+          </a:xfrm>
+        </p:spPr>
+      </p:pic>
+      <p:pic>
+        <p:nvPicPr>
+          <p:cNvPr id="9" name="Picture 8">
+            <a:extLst>
+              <a:ext uri="{FF2B5EF4-FFF2-40B4-BE49-F238E27FC236}">
+                <a16:creationId xmlns:a16="http://schemas.microsoft.com/office/drawing/2014/main" id="{BF78B5CD-B303-4B45-890A-65EE2678E157}"/>
+              </a:ext>
+            </a:extLst>
+          </p:cNvPr>
+          <p:cNvPicPr>
+            <a:picLocks noChangeAspect="1"/>
+          </p:cNvPicPr>
+          <p:nvPr/>
+        </p:nvPicPr>
+        <p:blipFill>
+          <a:blip r:embed="rId3">
+            <a:extLst>
+              <a:ext uri="{28A0092B-C50C-407E-A947-70E740481C1C}">
+                <a14:useLocalDpi xmlns:a14="http://schemas.microsoft.com/office/drawing/2010/main" val="0"/>
+              </a:ext>
+            </a:extLst>
+          </a:blip>
+          <a:stretch>
+            <a:fillRect/>
+          </a:stretch>
+        </p:blipFill>
+        <p:spPr>
+          <a:xfrm>
+            <a:off x="6997791" y="4128052"/>
+            <a:ext cx="4151427" cy="2299252"/>
+          </a:xfrm>
+          <a:prstGeom prst="rect">
+            <a:avLst/>
+          </a:prstGeom>
+        </p:spPr>
+      </p:pic>
+    </p:spTree>
+    <p:extLst>
+      <p:ext uri="{BB962C8B-B14F-4D97-AF65-F5344CB8AC3E}">
+        <p14:creationId xmlns:p14="http://schemas.microsoft.com/office/powerpoint/2010/main" val="3207843415"/>
       </p:ext>
     </p:extLst>
   </p:cSld>

--- a/The Technology that Changed the World.pptx
+++ b/The Technology that Changed the World.pptx
@@ -13,6 +13,8 @@
     <p:sldId id="260" r:id="rId7"/>
     <p:sldId id="261" r:id="rId8"/>
     <p:sldId id="262" r:id="rId9"/>
+    <p:sldId id="265" r:id="rId10"/>
+    <p:sldId id="266" r:id="rId11"/>
   </p:sldIdLst>
   <p:sldSz cx="12192000" cy="6858000"/>
   <p:notesSz cx="6858000" cy="9144000"/>
@@ -841,7 +843,7 @@
           <a:p>
             <a:fld id="{EA0C0817-A112-4847-8014-A94B7D2A4EA3}" type="datetime1">
               <a:rPr lang="en-US" smtClean="0"/>
-              <a:t>7/30/2019</a:t>
+              <a:t>7/31/2019</a:t>
             </a:fld>
             <a:endParaRPr lang="en-US" dirty="0"/>
           </a:p>
@@ -1092,7 +1094,7 @@
           <a:p>
             <a:fld id="{F6FA2B21-3FCD-4721-B95C-427943F61125}" type="datetime1">
               <a:rPr lang="en-US" smtClean="0"/>
-              <a:t>7/30/2019</a:t>
+              <a:t>7/31/2019</a:t>
             </a:fld>
             <a:endParaRPr lang="en-US"/>
           </a:p>
@@ -1407,7 +1409,7 @@
           <a:p>
             <a:fld id="{F6FA2B21-3FCD-4721-B95C-427943F61125}" type="datetime1">
               <a:rPr lang="en-US" smtClean="0"/>
-              <a:t>7/30/2019</a:t>
+              <a:t>7/31/2019</a:t>
             </a:fld>
             <a:endParaRPr lang="en-US"/>
           </a:p>
@@ -1749,7 +1751,7 @@
           <a:p>
             <a:fld id="{F6FA2B21-3FCD-4721-B95C-427943F61125}" type="datetime1">
               <a:rPr lang="en-US" smtClean="0"/>
-              <a:t>7/30/2019</a:t>
+              <a:t>7/31/2019</a:t>
             </a:fld>
             <a:endParaRPr lang="en-US"/>
           </a:p>
@@ -2064,7 +2066,7 @@
           <a:p>
             <a:fld id="{F6FA2B21-3FCD-4721-B95C-427943F61125}" type="datetime1">
               <a:rPr lang="en-US" smtClean="0"/>
-              <a:t>7/30/2019</a:t>
+              <a:t>7/31/2019</a:t>
             </a:fld>
             <a:endParaRPr lang="en-US"/>
           </a:p>
@@ -2458,7 +2460,7 @@
           <a:p>
             <a:fld id="{F6FA2B21-3FCD-4721-B95C-427943F61125}" type="datetime1">
               <a:rPr lang="en-US" smtClean="0"/>
-              <a:t>7/30/2019</a:t>
+              <a:t>7/31/2019</a:t>
             </a:fld>
             <a:endParaRPr lang="en-US"/>
           </a:p>
@@ -2629,7 +2631,7 @@
           <a:p>
             <a:fld id="{134F40B7-36AB-4376-BE14-EF7004D79BB9}" type="datetime1">
               <a:rPr lang="en-US" smtClean="0"/>
-              <a:t>7/30/2019</a:t>
+              <a:t>7/31/2019</a:t>
             </a:fld>
             <a:endParaRPr lang="en-US"/>
           </a:p>
@@ -2809,7 +2811,7 @@
           <a:p>
             <a:fld id="{FF87CAB8-DCAE-46A5-AADA-B3FAD11A54E0}" type="datetime1">
               <a:rPr lang="en-US" smtClean="0"/>
-              <a:t>7/30/2019</a:t>
+              <a:t>7/31/2019</a:t>
             </a:fld>
             <a:endParaRPr lang="en-US"/>
           </a:p>
@@ -2985,7 +2987,7 @@
           <a:p>
             <a:fld id="{7332B432-ACDA-4023-A761-2BAB76577B62}" type="datetime1">
               <a:rPr lang="en-US" smtClean="0"/>
-              <a:t>7/30/2019</a:t>
+              <a:t>7/31/2019</a:t>
             </a:fld>
             <a:endParaRPr lang="en-US"/>
           </a:p>
@@ -3232,7 +3234,7 @@
           <a:p>
             <a:fld id="{D9C646AA-F36E-4540-911D-FFFC0A0EF24A}" type="datetime1">
               <a:rPr lang="en-US" smtClean="0"/>
-              <a:t>7/30/2019</a:t>
+              <a:t>7/31/2019</a:t>
             </a:fld>
             <a:endParaRPr lang="en-US" dirty="0"/>
           </a:p>
@@ -3464,7 +3466,7 @@
           <a:p>
             <a:fld id="{69186D26-FA5F-4637-B602-B7C2DC34CFD4}" type="datetime1">
               <a:rPr lang="en-US" smtClean="0"/>
-              <a:t>7/30/2019</a:t>
+              <a:t>7/31/2019</a:t>
             </a:fld>
             <a:endParaRPr lang="en-US"/>
           </a:p>
@@ -3838,7 +3840,7 @@
           <a:p>
             <a:fld id="{8A7F15D8-96D1-4781-BC50-CA8A088B2FE4}" type="datetime1">
               <a:rPr lang="en-US" smtClean="0"/>
-              <a:t>7/30/2019</a:t>
+              <a:t>7/31/2019</a:t>
             </a:fld>
             <a:endParaRPr lang="en-US"/>
           </a:p>
@@ -3961,7 +3963,7 @@
           <a:p>
             <a:fld id="{F9A96C99-B8F8-4528-BD05-0E16E943DC09}" type="datetime1">
               <a:rPr lang="en-US" smtClean="0"/>
-              <a:t>7/30/2019</a:t>
+              <a:t>7/31/2019</a:t>
             </a:fld>
             <a:endParaRPr lang="en-US"/>
           </a:p>
@@ -4056,7 +4058,7 @@
           <a:p>
             <a:fld id="{03636942-C211-4B28-8DBD-C953E00AF71B}" type="datetime1">
               <a:rPr lang="en-US" smtClean="0"/>
-              <a:t>7/30/2019</a:t>
+              <a:t>7/31/2019</a:t>
             </a:fld>
             <a:endParaRPr lang="en-US"/>
           </a:p>
@@ -4311,7 +4313,7 @@
           <a:p>
             <a:fld id="{7E8D12A6-918A-48BD-8CB9-CA713993B0EA}" type="datetime1">
               <a:rPr lang="en-US" smtClean="0"/>
-              <a:t>7/30/2019</a:t>
+              <a:t>7/31/2019</a:t>
             </a:fld>
             <a:endParaRPr lang="en-US"/>
           </a:p>
@@ -4575,7 +4577,7 @@
             <a:fld id="{E778CE86-875F-4587-BCF6-FA054AFC0D53}" type="datetime1">
               <a:rPr lang="en-US" smtClean="0"/>
               <a:pPr/>
-              <a:t>7/30/2019</a:t>
+              <a:t>7/31/2019</a:t>
             </a:fld>
             <a:endParaRPr lang="en-US" dirty="0"/>
           </a:p>
@@ -5324,7 +5326,7 @@
           <a:p>
             <a:fld id="{F6FA2B21-3FCD-4721-B95C-427943F61125}" type="datetime1">
               <a:rPr lang="en-US" smtClean="0"/>
-              <a:t>7/30/2019</a:t>
+              <a:t>7/31/2019</a:t>
             </a:fld>
             <a:endParaRPr lang="en-US"/>
           </a:p>
@@ -5992,6 +5994,136 @@
 </p:sld>
 </file>
 
+<file path=ppt/slides/slide10.xml><?xml version="1.0" encoding="utf-8"?>
+<p:sld xmlns:a="http://schemas.openxmlformats.org/drawingml/2006/main" xmlns:r="http://schemas.openxmlformats.org/officeDocument/2006/relationships" xmlns:p="http://schemas.openxmlformats.org/presentationml/2006/main">
+  <p:cSld>
+    <p:spTree>
+      <p:nvGrpSpPr>
+        <p:cNvPr id="1" name=""/>
+        <p:cNvGrpSpPr/>
+        <p:nvPr/>
+      </p:nvGrpSpPr>
+      <p:grpSpPr>
+        <a:xfrm>
+          <a:off x="0" y="0"/>
+          <a:ext cx="0" cy="0"/>
+          <a:chOff x="0" y="0"/>
+          <a:chExt cx="0" cy="0"/>
+        </a:xfrm>
+      </p:grpSpPr>
+      <p:sp>
+        <p:nvSpPr>
+          <p:cNvPr id="2" name="Title 1">
+            <a:extLst>
+              <a:ext uri="{FF2B5EF4-FFF2-40B4-BE49-F238E27FC236}">
+                <a16:creationId xmlns:a16="http://schemas.microsoft.com/office/drawing/2014/main" id="{C534D813-C686-42FC-972D-1830BB3D8D3A}"/>
+              </a:ext>
+            </a:extLst>
+          </p:cNvPr>
+          <p:cNvSpPr>
+            <a:spLocks noGrp="1"/>
+          </p:cNvSpPr>
+          <p:nvPr>
+            <p:ph type="title"/>
+          </p:nvPr>
+        </p:nvSpPr>
+        <p:spPr/>
+        <p:txBody>
+          <a:bodyPr/>
+          <a:lstStyle/>
+          <a:p>
+            <a:pPr algn="ctr"/>
+            <a:r>
+              <a:rPr lang="en-US" dirty="0"/>
+              <a:t>Technology’s impact on sports participation:</a:t>
+            </a:r>
+          </a:p>
+        </p:txBody>
+      </p:sp>
+      <p:pic>
+        <p:nvPicPr>
+          <p:cNvPr id="5" name="Content Placeholder 4">
+            <a:extLst>
+              <a:ext uri="{FF2B5EF4-FFF2-40B4-BE49-F238E27FC236}">
+                <a16:creationId xmlns:a16="http://schemas.microsoft.com/office/drawing/2014/main" id="{8C95DBA0-A3E9-4B64-BF35-7C38ADB6EC09}"/>
+              </a:ext>
+            </a:extLst>
+          </p:cNvPr>
+          <p:cNvPicPr>
+            <a:picLocks noGrp="1" noChangeAspect="1"/>
+          </p:cNvPicPr>
+          <p:nvPr>
+            <p:ph idx="1"/>
+          </p:nvPr>
+        </p:nvPicPr>
+        <p:blipFill>
+          <a:blip r:embed="rId2">
+            <a:extLst>
+              <a:ext uri="{28A0092B-C50C-407E-A947-70E740481C1C}">
+                <a14:useLocalDpi xmlns:a14="http://schemas.microsoft.com/office/drawing/2010/main" val="0"/>
+              </a:ext>
+            </a:extLst>
+          </a:blip>
+          <a:stretch>
+            <a:fillRect/>
+          </a:stretch>
+        </p:blipFill>
+        <p:spPr>
+          <a:xfrm>
+            <a:off x="6510634" y="1581046"/>
+            <a:ext cx="5229320" cy="4760119"/>
+          </a:xfrm>
+        </p:spPr>
+      </p:pic>
+      <p:pic>
+        <p:nvPicPr>
+          <p:cNvPr id="9" name="Picture 8">
+            <a:extLst>
+              <a:ext uri="{FF2B5EF4-FFF2-40B4-BE49-F238E27FC236}">
+                <a16:creationId xmlns:a16="http://schemas.microsoft.com/office/drawing/2014/main" id="{82B21518-251A-4281-8837-4F579F977508}"/>
+              </a:ext>
+            </a:extLst>
+          </p:cNvPr>
+          <p:cNvPicPr>
+            <a:picLocks noChangeAspect="1"/>
+          </p:cNvPicPr>
+          <p:nvPr/>
+        </p:nvPicPr>
+        <p:blipFill>
+          <a:blip r:embed="rId3">
+            <a:extLst>
+              <a:ext uri="{28A0092B-C50C-407E-A947-70E740481C1C}">
+                <a14:useLocalDpi xmlns:a14="http://schemas.microsoft.com/office/drawing/2010/main" val="0"/>
+              </a:ext>
+            </a:extLst>
+          </a:blip>
+          <a:stretch>
+            <a:fillRect/>
+          </a:stretch>
+        </p:blipFill>
+        <p:spPr>
+          <a:xfrm>
+            <a:off x="1239630" y="3246783"/>
+            <a:ext cx="3951557" cy="2226365"/>
+          </a:xfrm>
+          <a:prstGeom prst="rect">
+            <a:avLst/>
+          </a:prstGeom>
+        </p:spPr>
+      </p:pic>
+    </p:spTree>
+    <p:extLst>
+      <p:ext uri="{BB962C8B-B14F-4D97-AF65-F5344CB8AC3E}">
+        <p14:creationId xmlns:p14="http://schemas.microsoft.com/office/powerpoint/2010/main" val="2979302228"/>
+      </p:ext>
+    </p:extLst>
+  </p:cSld>
+  <p:clrMapOvr>
+    <a:masterClrMapping/>
+  </p:clrMapOvr>
+</p:sld>
+</file>
+
 <file path=ppt/slides/slide2.xml><?xml version="1.0" encoding="utf-8"?>
 <p:sld xmlns:a="http://schemas.openxmlformats.org/drawingml/2006/main" xmlns:r="http://schemas.openxmlformats.org/officeDocument/2006/relationships" xmlns:p="http://schemas.openxmlformats.org/presentationml/2006/main">
   <p:cSld>
@@ -7012,6 +7144,7 @@
           <a:bodyPr/>
           <a:lstStyle/>
           <a:p>
+            <a:pPr algn="ctr"/>
             <a:r>
               <a:rPr lang="en-US" dirty="0"/>
               <a:t>Technology’s impact on education:</a:t>
@@ -7094,6 +7227,171 @@
     <p:extLst>
       <p:ext uri="{BB962C8B-B14F-4D97-AF65-F5344CB8AC3E}">
         <p14:creationId xmlns:p14="http://schemas.microsoft.com/office/powerpoint/2010/main" val="3207843415"/>
+      </p:ext>
+    </p:extLst>
+  </p:cSld>
+  <p:clrMapOvr>
+    <a:masterClrMapping/>
+  </p:clrMapOvr>
+</p:sld>
+</file>
+
+<file path=ppt/slides/slide9.xml><?xml version="1.0" encoding="utf-8"?>
+<p:sld xmlns:a="http://schemas.openxmlformats.org/drawingml/2006/main" xmlns:r="http://schemas.openxmlformats.org/officeDocument/2006/relationships" xmlns:p="http://schemas.openxmlformats.org/presentationml/2006/main">
+  <p:cSld>
+    <p:spTree>
+      <p:nvGrpSpPr>
+        <p:cNvPr id="1" name=""/>
+        <p:cNvGrpSpPr/>
+        <p:nvPr/>
+      </p:nvGrpSpPr>
+      <p:grpSpPr>
+        <a:xfrm>
+          <a:off x="0" y="0"/>
+          <a:ext cx="0" cy="0"/>
+          <a:chOff x="0" y="0"/>
+          <a:chExt cx="0" cy="0"/>
+        </a:xfrm>
+      </p:grpSpPr>
+      <p:sp>
+        <p:nvSpPr>
+          <p:cNvPr id="2" name="Title 1">
+            <a:extLst>
+              <a:ext uri="{FF2B5EF4-FFF2-40B4-BE49-F238E27FC236}">
+                <a16:creationId xmlns:a16="http://schemas.microsoft.com/office/drawing/2014/main" id="{0E2F4F4B-10DC-472A-8CF2-FF2F341E29E9}"/>
+              </a:ext>
+            </a:extLst>
+          </p:cNvPr>
+          <p:cNvSpPr>
+            <a:spLocks noGrp="1"/>
+          </p:cNvSpPr>
+          <p:nvPr>
+            <p:ph type="title"/>
+          </p:nvPr>
+        </p:nvSpPr>
+        <p:spPr/>
+        <p:txBody>
+          <a:bodyPr/>
+          <a:lstStyle/>
+          <a:p>
+            <a:r>
+              <a:rPr lang="en-US" dirty="0"/>
+              <a:t>…Education continued</a:t>
+            </a:r>
+          </a:p>
+        </p:txBody>
+      </p:sp>
+      <p:pic>
+        <p:nvPicPr>
+          <p:cNvPr id="5" name="Content Placeholder 4">
+            <a:extLst>
+              <a:ext uri="{FF2B5EF4-FFF2-40B4-BE49-F238E27FC236}">
+                <a16:creationId xmlns:a16="http://schemas.microsoft.com/office/drawing/2014/main" id="{19E02658-2A75-4518-A914-2A5EBD62756F}"/>
+              </a:ext>
+            </a:extLst>
+          </p:cNvPr>
+          <p:cNvPicPr>
+            <a:picLocks noGrp="1" noChangeAspect="1"/>
+          </p:cNvPicPr>
+          <p:nvPr>
+            <p:ph idx="1"/>
+          </p:nvPr>
+        </p:nvPicPr>
+        <p:blipFill>
+          <a:blip r:embed="rId2">
+            <a:extLst>
+              <a:ext uri="{28A0092B-C50C-407E-A947-70E740481C1C}">
+                <a14:useLocalDpi xmlns:a14="http://schemas.microsoft.com/office/drawing/2010/main" val="0"/>
+              </a:ext>
+            </a:extLst>
+          </a:blip>
+          <a:stretch>
+            <a:fillRect/>
+          </a:stretch>
+        </p:blipFill>
+        <p:spPr>
+          <a:xfrm>
+            <a:off x="106017" y="1141367"/>
+            <a:ext cx="7620000" cy="2090094"/>
+          </a:xfrm>
+        </p:spPr>
+      </p:pic>
+      <p:pic>
+        <p:nvPicPr>
+          <p:cNvPr id="7" name="Picture 6">
+            <a:extLst>
+              <a:ext uri="{FF2B5EF4-FFF2-40B4-BE49-F238E27FC236}">
+                <a16:creationId xmlns:a16="http://schemas.microsoft.com/office/drawing/2014/main" id="{12399478-222F-416E-A05A-084F0084970E}"/>
+              </a:ext>
+            </a:extLst>
+          </p:cNvPr>
+          <p:cNvPicPr>
+            <a:picLocks noChangeAspect="1"/>
+          </p:cNvPicPr>
+          <p:nvPr/>
+        </p:nvPicPr>
+        <p:blipFill>
+          <a:blip r:embed="rId3">
+            <a:extLst>
+              <a:ext uri="{28A0092B-C50C-407E-A947-70E740481C1C}">
+                <a14:useLocalDpi xmlns:a14="http://schemas.microsoft.com/office/drawing/2010/main" val="0"/>
+              </a:ext>
+            </a:extLst>
+          </a:blip>
+          <a:stretch>
+            <a:fillRect/>
+          </a:stretch>
+        </p:blipFill>
+        <p:spPr>
+          <a:xfrm>
+            <a:off x="5100916" y="3231461"/>
+            <a:ext cx="7091084" cy="1844122"/>
+          </a:xfrm>
+          <a:prstGeom prst="rect">
+            <a:avLst/>
+          </a:prstGeom>
+        </p:spPr>
+      </p:pic>
+      <p:pic>
+        <p:nvPicPr>
+          <p:cNvPr id="9" name="Picture 8">
+            <a:extLst>
+              <a:ext uri="{FF2B5EF4-FFF2-40B4-BE49-F238E27FC236}">
+                <a16:creationId xmlns:a16="http://schemas.microsoft.com/office/drawing/2014/main" id="{2FC81B54-6BA7-4961-8F5A-E02EEF735998}"/>
+              </a:ext>
+            </a:extLst>
+          </p:cNvPr>
+          <p:cNvPicPr>
+            <a:picLocks noChangeAspect="1"/>
+          </p:cNvPicPr>
+          <p:nvPr/>
+        </p:nvPicPr>
+        <p:blipFill>
+          <a:blip r:embed="rId4">
+            <a:extLst>
+              <a:ext uri="{28A0092B-C50C-407E-A947-70E740481C1C}">
+                <a14:useLocalDpi xmlns:a14="http://schemas.microsoft.com/office/drawing/2010/main" val="0"/>
+              </a:ext>
+            </a:extLst>
+          </a:blip>
+          <a:stretch>
+            <a:fillRect/>
+          </a:stretch>
+        </p:blipFill>
+        <p:spPr>
+          <a:xfrm>
+            <a:off x="0" y="5007812"/>
+            <a:ext cx="6745357" cy="1850188"/>
+          </a:xfrm>
+          <a:prstGeom prst="rect">
+            <a:avLst/>
+          </a:prstGeom>
+        </p:spPr>
+      </p:pic>
+    </p:spTree>
+    <p:extLst>
+      <p:ext uri="{BB962C8B-B14F-4D97-AF65-F5344CB8AC3E}">
+        <p14:creationId xmlns:p14="http://schemas.microsoft.com/office/powerpoint/2010/main" val="2905252287"/>
       </p:ext>
     </p:extLst>
   </p:cSld>

--- a/The Technology that Changed the World.pptx
+++ b/The Technology that Changed the World.pptx
@@ -10,10 +10,10 @@
     <p:sldId id="258" r:id="rId4"/>
     <p:sldId id="259" r:id="rId5"/>
     <p:sldId id="264" r:id="rId6"/>
-    <p:sldId id="260" r:id="rId7"/>
-    <p:sldId id="261" r:id="rId8"/>
-    <p:sldId id="262" r:id="rId9"/>
-    <p:sldId id="265" r:id="rId10"/>
+    <p:sldId id="261" r:id="rId7"/>
+    <p:sldId id="262" r:id="rId8"/>
+    <p:sldId id="265" r:id="rId9"/>
+    <p:sldId id="260" r:id="rId10"/>
     <p:sldId id="266" r:id="rId11"/>
   </p:sldIdLst>
   <p:sldSz cx="12192000" cy="6858000"/>
@@ -5997,6 +5997,14 @@
 <file path=ppt/slides/slide10.xml><?xml version="1.0" encoding="utf-8"?>
 <p:sld xmlns:a="http://schemas.openxmlformats.org/drawingml/2006/main" xmlns:r="http://schemas.openxmlformats.org/officeDocument/2006/relationships" xmlns:p="http://schemas.openxmlformats.org/presentationml/2006/main">
   <p:cSld>
+    <p:bg>
+      <p:bgPr>
+        <a:solidFill>
+          <a:schemeClr val="bg1"/>
+        </a:solidFill>
+        <a:effectLst/>
+      </p:bgPr>
+    </p:bg>
     <p:spTree>
       <p:nvGrpSpPr>
         <p:cNvPr id="1" name=""/>
@@ -6027,14 +6035,20 @@
             <p:ph type="title"/>
           </p:nvPr>
         </p:nvSpPr>
-        <p:spPr/>
-        <p:txBody>
-          <a:bodyPr/>
-          <a:lstStyle/>
-          <a:p>
-            <a:pPr algn="ctr"/>
-            <a:r>
-              <a:rPr lang="en-US" dirty="0"/>
+        <p:spPr>
+          <a:xfrm>
+            <a:off x="677334" y="609600"/>
+            <a:ext cx="8596668" cy="1320800"/>
+          </a:xfrm>
+        </p:spPr>
+        <p:txBody>
+          <a:bodyPr>
+            <a:normAutofit/>
+          </a:bodyPr>
+          <a:lstStyle/>
+          <a:p>
+            <a:r>
+              <a:rPr lang="en-US"/>
               <a:t>Technology’s impact on sports participation:</a:t>
             </a:r>
           </a:p>
@@ -6042,19 +6056,17 @@
       </p:sp>
       <p:pic>
         <p:nvPicPr>
-          <p:cNvPr id="5" name="Content Placeholder 4">
+          <p:cNvPr id="4" name="Picture 3" descr="A picture containing map, text&#10;&#10;Description automatically generated">
             <a:extLst>
               <a:ext uri="{FF2B5EF4-FFF2-40B4-BE49-F238E27FC236}">
-                <a16:creationId xmlns:a16="http://schemas.microsoft.com/office/drawing/2014/main" id="{8C95DBA0-A3E9-4B64-BF35-7C38ADB6EC09}"/>
+                <a16:creationId xmlns:a16="http://schemas.microsoft.com/office/drawing/2014/main" id="{71EE0FC9-E0F7-481D-9BD7-D8DDF5D24FB0}"/>
               </a:ext>
             </a:extLst>
           </p:cNvPr>
           <p:cNvPicPr>
-            <a:picLocks noGrp="1" noChangeAspect="1"/>
+            <a:picLocks noChangeAspect="1"/>
           </p:cNvPicPr>
-          <p:nvPr>
-            <p:ph idx="1"/>
-          </p:nvPr>
+          <p:nvPr/>
         </p:nvPicPr>
         <p:blipFill>
           <a:blip r:embed="rId2">
@@ -6070,17 +6082,20 @@
         </p:blipFill>
         <p:spPr>
           <a:xfrm>
-            <a:off x="6510634" y="1581046"/>
-            <a:ext cx="5229320" cy="4760119"/>
+            <a:off x="3423084" y="2222596"/>
+            <a:ext cx="2913778" cy="2508430"/>
           </a:xfrm>
+          <a:prstGeom prst="rect">
+            <a:avLst/>
+          </a:prstGeom>
         </p:spPr>
       </p:pic>
       <p:pic>
         <p:nvPicPr>
-          <p:cNvPr id="9" name="Picture 8">
+          <p:cNvPr id="16" name="Content Placeholder 4">
             <a:extLst>
               <a:ext uri="{FF2B5EF4-FFF2-40B4-BE49-F238E27FC236}">
-                <a16:creationId xmlns:a16="http://schemas.microsoft.com/office/drawing/2014/main" id="{82B21518-251A-4281-8837-4F579F977508}"/>
+                <a16:creationId xmlns:a16="http://schemas.microsoft.com/office/drawing/2014/main" id="{8C95DBA0-A3E9-4B64-BF35-7C38ADB6EC09}"/>
               </a:ext>
             </a:extLst>
           </p:cNvPr>
@@ -6103,8 +6118,76 @@
         </p:blipFill>
         <p:spPr>
           <a:xfrm>
-            <a:off x="1239630" y="3246783"/>
-            <a:ext cx="3951557" cy="2226365"/>
+            <a:off x="677333" y="2184438"/>
+            <a:ext cx="2596281" cy="3832149"/>
+          </a:xfrm>
+          <a:prstGeom prst="rect">
+            <a:avLst/>
+          </a:prstGeom>
+        </p:spPr>
+      </p:pic>
+      <p:sp>
+        <p:nvSpPr>
+          <p:cNvPr id="17" name="Content Placeholder 13">
+            <a:extLst>
+              <a:ext uri="{FF2B5EF4-FFF2-40B4-BE49-F238E27FC236}">
+                <a16:creationId xmlns:a16="http://schemas.microsoft.com/office/drawing/2014/main" id="{1C74A094-F529-426C-B1F4-0809E67A9984}"/>
+              </a:ext>
+            </a:extLst>
+          </p:cNvPr>
+          <p:cNvSpPr>
+            <a:spLocks noGrp="1"/>
+          </p:cNvSpPr>
+          <p:nvPr>
+            <p:ph idx="1"/>
+          </p:nvPr>
+        </p:nvSpPr>
+        <p:spPr>
+          <a:xfrm>
+            <a:off x="6329363" y="2160589"/>
+            <a:ext cx="2944638" cy="3880773"/>
+          </a:xfrm>
+        </p:spPr>
+        <p:txBody>
+          <a:bodyPr>
+            <a:normAutofit/>
+          </a:bodyPr>
+          <a:lstStyle/>
+          <a:p>
+            <a:endParaRPr lang="en-US" sz="1500"/>
+          </a:p>
+        </p:txBody>
+      </p:sp>
+      <p:pic>
+        <p:nvPicPr>
+          <p:cNvPr id="9" name="Picture 8">
+            <a:extLst>
+              <a:ext uri="{FF2B5EF4-FFF2-40B4-BE49-F238E27FC236}">
+                <a16:creationId xmlns:a16="http://schemas.microsoft.com/office/drawing/2014/main" id="{82B21518-251A-4281-8837-4F579F977508}"/>
+              </a:ext>
+            </a:extLst>
+          </p:cNvPr>
+          <p:cNvPicPr>
+            <a:picLocks noChangeAspect="1"/>
+          </p:cNvPicPr>
+          <p:nvPr/>
+        </p:nvPicPr>
+        <p:blipFill>
+          <a:blip r:embed="rId4">
+            <a:extLst>
+              <a:ext uri="{28A0092B-C50C-407E-A947-70E740481C1C}">
+                <a14:useLocalDpi xmlns:a14="http://schemas.microsoft.com/office/drawing/2010/main" val="0"/>
+              </a:ext>
+            </a:extLst>
+          </a:blip>
+          <a:stretch>
+            <a:fillRect/>
+          </a:stretch>
+        </p:blipFill>
+        <p:spPr>
+          <a:xfrm>
+            <a:off x="6503540" y="3069634"/>
+            <a:ext cx="2596283" cy="1460409"/>
           </a:xfrm>
           <a:prstGeom prst="rect">
             <a:avLst/>
@@ -6797,144 +6880,6 @@
 <file path=ppt/slides/slide6.xml><?xml version="1.0" encoding="utf-8"?>
 <p:sld xmlns:a="http://schemas.openxmlformats.org/drawingml/2006/main" xmlns:r="http://schemas.openxmlformats.org/officeDocument/2006/relationships" xmlns:p="http://schemas.openxmlformats.org/presentationml/2006/main">
   <p:cSld>
-    <p:bg>
-      <p:bgPr>
-        <a:blipFill>
-          <a:blip r:embed="rId2"/>
-          <a:tile tx="0" ty="0" sx="100000" sy="100000" flip="none" algn="tl"/>
-        </a:blipFill>
-        <a:effectLst/>
-      </p:bgPr>
-    </p:bg>
-    <p:spTree>
-      <p:nvGrpSpPr>
-        <p:cNvPr id="1" name=""/>
-        <p:cNvGrpSpPr/>
-        <p:nvPr/>
-      </p:nvGrpSpPr>
-      <p:grpSpPr>
-        <a:xfrm>
-          <a:off x="0" y="0"/>
-          <a:ext cx="0" cy="0"/>
-          <a:chOff x="0" y="0"/>
-          <a:chExt cx="0" cy="0"/>
-        </a:xfrm>
-      </p:grpSpPr>
-      <p:sp>
-        <p:nvSpPr>
-          <p:cNvPr id="2" name="Title 1">
-            <a:extLst>
-              <a:ext uri="{FF2B5EF4-FFF2-40B4-BE49-F238E27FC236}">
-                <a16:creationId xmlns:a16="http://schemas.microsoft.com/office/drawing/2014/main" id="{016964E3-BB36-4C01-A402-837852D2B585}"/>
-              </a:ext>
-            </a:extLst>
-          </p:cNvPr>
-          <p:cNvSpPr>
-            <a:spLocks noGrp="1"/>
-          </p:cNvSpPr>
-          <p:nvPr>
-            <p:ph type="title"/>
-          </p:nvPr>
-        </p:nvSpPr>
-        <p:spPr/>
-        <p:txBody>
-          <a:bodyPr/>
-          <a:lstStyle/>
-          <a:p>
-            <a:r>
-              <a:rPr lang="en-US" dirty="0"/>
-              <a:t>Technology’s impact on young people:</a:t>
-            </a:r>
-          </a:p>
-        </p:txBody>
-      </p:sp>
-      <p:pic>
-        <p:nvPicPr>
-          <p:cNvPr id="5" name="Content Placeholder 4">
-            <a:extLst>
-              <a:ext uri="{FF2B5EF4-FFF2-40B4-BE49-F238E27FC236}">
-                <a16:creationId xmlns:a16="http://schemas.microsoft.com/office/drawing/2014/main" id="{977AAFB7-D736-43B8-B284-11D01F691B6A}"/>
-              </a:ext>
-            </a:extLst>
-          </p:cNvPr>
-          <p:cNvPicPr>
-            <a:picLocks noGrp="1" noChangeAspect="1"/>
-          </p:cNvPicPr>
-          <p:nvPr>
-            <p:ph idx="1"/>
-          </p:nvPr>
-        </p:nvPicPr>
-        <p:blipFill>
-          <a:blip r:embed="rId3">
-            <a:extLst>
-              <a:ext uri="{28A0092B-C50C-407E-A947-70E740481C1C}">
-                <a14:useLocalDpi xmlns:a14="http://schemas.microsoft.com/office/drawing/2010/main" val="0"/>
-              </a:ext>
-            </a:extLst>
-          </a:blip>
-          <a:stretch>
-            <a:fillRect/>
-          </a:stretch>
-        </p:blipFill>
-        <p:spPr>
-          <a:xfrm>
-            <a:off x="97321" y="1438768"/>
-            <a:ext cx="8596312" cy="3488833"/>
-          </a:xfrm>
-        </p:spPr>
-      </p:pic>
-      <p:pic>
-        <p:nvPicPr>
-          <p:cNvPr id="7" name="Picture 6">
-            <a:extLst>
-              <a:ext uri="{FF2B5EF4-FFF2-40B4-BE49-F238E27FC236}">
-                <a16:creationId xmlns:a16="http://schemas.microsoft.com/office/drawing/2014/main" id="{6407C269-7A5C-44AE-8890-6556767C9A39}"/>
-              </a:ext>
-            </a:extLst>
-          </p:cNvPr>
-          <p:cNvPicPr>
-            <a:picLocks noChangeAspect="1"/>
-          </p:cNvPicPr>
-          <p:nvPr/>
-        </p:nvPicPr>
-        <p:blipFill>
-          <a:blip r:embed="rId4">
-            <a:extLst>
-              <a:ext uri="{28A0092B-C50C-407E-A947-70E740481C1C}">
-                <a14:useLocalDpi xmlns:a14="http://schemas.microsoft.com/office/drawing/2010/main" val="0"/>
-              </a:ext>
-            </a:extLst>
-          </a:blip>
-          <a:stretch>
-            <a:fillRect/>
-          </a:stretch>
-        </p:blipFill>
-        <p:spPr>
-          <a:xfrm>
-            <a:off x="8892210" y="4662558"/>
-            <a:ext cx="2924174" cy="1909762"/>
-          </a:xfrm>
-          <a:prstGeom prst="rect">
-            <a:avLst/>
-          </a:prstGeom>
-        </p:spPr>
-      </p:pic>
-    </p:spTree>
-    <p:extLst>
-      <p:ext uri="{BB962C8B-B14F-4D97-AF65-F5344CB8AC3E}">
-        <p14:creationId xmlns:p14="http://schemas.microsoft.com/office/powerpoint/2010/main" val="349737418"/>
-      </p:ext>
-    </p:extLst>
-  </p:cSld>
-  <p:clrMapOvr>
-    <a:masterClrMapping/>
-  </p:clrMapOvr>
-</p:sld>
-</file>
-
-<file path=ppt/slides/slide7.xml><?xml version="1.0" encoding="utf-8"?>
-<p:sld xmlns:a="http://schemas.openxmlformats.org/drawingml/2006/main" xmlns:r="http://schemas.openxmlformats.org/officeDocument/2006/relationships" xmlns:p="http://schemas.openxmlformats.org/presentationml/2006/main">
-  <p:cSld>
     <p:spTree>
       <p:nvGrpSpPr>
         <p:cNvPr id="1" name=""/>
@@ -7106,7 +7051,7 @@
 </p:sld>
 </file>
 
-<file path=ppt/slides/slide8.xml><?xml version="1.0" encoding="utf-8"?>
+<file path=ppt/slides/slide7.xml><?xml version="1.0" encoding="utf-8"?>
 <p:sld xmlns:a="http://schemas.openxmlformats.org/drawingml/2006/main" xmlns:r="http://schemas.openxmlformats.org/officeDocument/2006/relationships" xmlns:p="http://schemas.openxmlformats.org/presentationml/2006/main">
   <p:cSld>
     <p:spTree>
@@ -7236,9 +7181,17 @@
 </p:sld>
 </file>
 
-<file path=ppt/slides/slide9.xml><?xml version="1.0" encoding="utf-8"?>
+<file path=ppt/slides/slide8.xml><?xml version="1.0" encoding="utf-8"?>
 <p:sld xmlns:a="http://schemas.openxmlformats.org/drawingml/2006/main" xmlns:r="http://schemas.openxmlformats.org/officeDocument/2006/relationships" xmlns:p="http://schemas.openxmlformats.org/presentationml/2006/main">
   <p:cSld>
+    <p:bg>
+      <p:bgPr>
+        <a:solidFill>
+          <a:schemeClr val="bg1"/>
+        </a:solidFill>
+        <a:effectLst/>
+      </p:bgPr>
+    </p:bg>
     <p:spTree>
       <p:nvGrpSpPr>
         <p:cNvPr id="1" name=""/>
@@ -7269,9 +7222,16 @@
             <p:ph type="title"/>
           </p:nvPr>
         </p:nvSpPr>
-        <p:spPr/>
-        <p:txBody>
-          <a:bodyPr/>
+        <p:spPr>
+          <a:xfrm>
+            <a:off x="677328" y="651012"/>
+            <a:ext cx="2930518" cy="1279387"/>
+          </a:xfrm>
+        </p:spPr>
+        <p:txBody>
+          <a:bodyPr anchor="ctr">
+            <a:normAutofit/>
+          </a:bodyPr>
           <a:lstStyle/>
           <a:p>
             <a:r>
@@ -7281,9 +7241,44 @@
           </a:p>
         </p:txBody>
       </p:sp>
+      <p:sp>
+        <p:nvSpPr>
+          <p:cNvPr id="27" name="Content Placeholder 13">
+            <a:extLst>
+              <a:ext uri="{FF2B5EF4-FFF2-40B4-BE49-F238E27FC236}">
+                <a16:creationId xmlns:a16="http://schemas.microsoft.com/office/drawing/2014/main" id="{8DA37B8D-B9C3-48FF-BFAB-58CBBC2ECD94}"/>
+              </a:ext>
+            </a:extLst>
+          </p:cNvPr>
+          <p:cNvSpPr>
+            <a:spLocks noGrp="1"/>
+          </p:cNvSpPr>
+          <p:nvPr>
+            <p:ph idx="1"/>
+          </p:nvPr>
+        </p:nvSpPr>
+        <p:spPr>
+          <a:xfrm>
+            <a:off x="677328" y="2160589"/>
+            <a:ext cx="2930517" cy="3880773"/>
+          </a:xfrm>
+        </p:spPr>
+        <p:txBody>
+          <a:bodyPr>
+            <a:normAutofit/>
+          </a:bodyPr>
+          <a:lstStyle/>
+          <a:p>
+            <a:r>
+              <a:rPr lang="en-US" dirty="0"/>
+              <a:t>Computer and internet access at home from 1984 to 2015 </a:t>
+            </a:r>
+          </a:p>
+        </p:txBody>
+      </p:sp>
       <p:pic>
         <p:nvPicPr>
-          <p:cNvPr id="5" name="Content Placeholder 4">
+          <p:cNvPr id="28" name="Content Placeholder 4">
             <a:extLst>
               <a:ext uri="{FF2B5EF4-FFF2-40B4-BE49-F238E27FC236}">
                 <a16:creationId xmlns:a16="http://schemas.microsoft.com/office/drawing/2014/main" id="{19E02658-2A75-4518-A914-2A5EBD62756F}"/>
@@ -7291,11 +7286,9 @@
             </a:extLst>
           </p:cNvPr>
           <p:cNvPicPr>
-            <a:picLocks noGrp="1" noChangeAspect="1"/>
+            <a:picLocks noChangeAspect="1"/>
           </p:cNvPicPr>
-          <p:nvPr>
-            <p:ph idx="1"/>
-          </p:nvPr>
+          <p:nvPr/>
         </p:nvPicPr>
         <p:blipFill>
           <a:blip r:embed="rId2">
@@ -7311,9 +7304,12 @@
         </p:blipFill>
         <p:spPr>
           <a:xfrm>
-            <a:off x="106017" y="1141367"/>
-            <a:ext cx="7620000" cy="2090094"/>
+            <a:off x="3244458" y="609599"/>
+            <a:ext cx="4334751" cy="1507436"/>
           </a:xfrm>
+          <a:prstGeom prst="rect">
+            <a:avLst/>
+          </a:prstGeom>
         </p:spPr>
       </p:pic>
       <p:pic>
@@ -7344,8 +7340,8 @@
         </p:blipFill>
         <p:spPr>
           <a:xfrm>
-            <a:off x="5100916" y="3231461"/>
-            <a:ext cx="7091084" cy="1844122"/>
+            <a:off x="7975859" y="609599"/>
+            <a:ext cx="3996059" cy="1550990"/>
           </a:xfrm>
           <a:prstGeom prst="rect">
             <a:avLst/>
@@ -7354,10 +7350,10 @@
       </p:pic>
       <p:pic>
         <p:nvPicPr>
-          <p:cNvPr id="9" name="Picture 8">
+          <p:cNvPr id="4" name="Picture 3" descr="A map with text&#10;&#10;Description automatically generated">
             <a:extLst>
               <a:ext uri="{FF2B5EF4-FFF2-40B4-BE49-F238E27FC236}">
-                <a16:creationId xmlns:a16="http://schemas.microsoft.com/office/drawing/2014/main" id="{2FC81B54-6BA7-4961-8F5A-E02EEF735998}"/>
+                <a16:creationId xmlns:a16="http://schemas.microsoft.com/office/drawing/2014/main" id="{6C4329C4-314E-4763-8B08-35465F486F99}"/>
               </a:ext>
             </a:extLst>
           </p:cNvPr>
@@ -7380,8 +7376,44 @@
         </p:blipFill>
         <p:spPr>
           <a:xfrm>
-            <a:off x="0" y="5007812"/>
-            <a:ext cx="6745357" cy="1850188"/>
+            <a:off x="3399807" y="2956890"/>
+            <a:ext cx="3512857" cy="3575429"/>
+          </a:xfrm>
+          <a:prstGeom prst="rect">
+            <a:avLst/>
+          </a:prstGeom>
+        </p:spPr>
+      </p:pic>
+      <p:pic>
+        <p:nvPicPr>
+          <p:cNvPr id="9" name="Picture 8">
+            <a:extLst>
+              <a:ext uri="{FF2B5EF4-FFF2-40B4-BE49-F238E27FC236}">
+                <a16:creationId xmlns:a16="http://schemas.microsoft.com/office/drawing/2014/main" id="{2FC81B54-6BA7-4961-8F5A-E02EEF735998}"/>
+              </a:ext>
+            </a:extLst>
+          </p:cNvPr>
+          <p:cNvPicPr>
+            <a:picLocks noChangeAspect="1"/>
+          </p:cNvPicPr>
+          <p:nvPr/>
+        </p:nvPicPr>
+        <p:blipFill>
+          <a:blip r:embed="rId5">
+            <a:extLst>
+              <a:ext uri="{28A0092B-C50C-407E-A947-70E740481C1C}">
+                <a14:useLocalDpi xmlns:a14="http://schemas.microsoft.com/office/drawing/2010/main" val="0"/>
+              </a:ext>
+            </a:extLst>
+          </a:blip>
+          <a:stretch>
+            <a:fillRect/>
+          </a:stretch>
+        </p:blipFill>
+        <p:spPr>
+          <a:xfrm>
+            <a:off x="7970750" y="3437139"/>
+            <a:ext cx="3803090" cy="1908313"/>
           </a:xfrm>
           <a:prstGeom prst="rect">
             <a:avLst/>
@@ -7392,6 +7424,108 @@
     <p:extLst>
       <p:ext uri="{BB962C8B-B14F-4D97-AF65-F5344CB8AC3E}">
         <p14:creationId xmlns:p14="http://schemas.microsoft.com/office/powerpoint/2010/main" val="2905252287"/>
+      </p:ext>
+    </p:extLst>
+  </p:cSld>
+  <p:clrMapOvr>
+    <a:masterClrMapping/>
+  </p:clrMapOvr>
+</p:sld>
+</file>
+
+<file path=ppt/slides/slide9.xml><?xml version="1.0" encoding="utf-8"?>
+<p:sld xmlns:a="http://schemas.openxmlformats.org/drawingml/2006/main" xmlns:r="http://schemas.openxmlformats.org/officeDocument/2006/relationships" xmlns:p="http://schemas.openxmlformats.org/presentationml/2006/main">
+  <p:cSld>
+    <p:bg>
+      <p:bgPr>
+        <a:blipFill>
+          <a:blip r:embed="rId2"/>
+          <a:tile tx="0" ty="0" sx="100000" sy="100000" flip="none" algn="tl"/>
+        </a:blipFill>
+        <a:effectLst/>
+      </p:bgPr>
+    </p:bg>
+    <p:spTree>
+      <p:nvGrpSpPr>
+        <p:cNvPr id="1" name=""/>
+        <p:cNvGrpSpPr/>
+        <p:nvPr/>
+      </p:nvGrpSpPr>
+      <p:grpSpPr>
+        <a:xfrm>
+          <a:off x="0" y="0"/>
+          <a:ext cx="0" cy="0"/>
+          <a:chOff x="0" y="0"/>
+          <a:chExt cx="0" cy="0"/>
+        </a:xfrm>
+      </p:grpSpPr>
+      <p:sp>
+        <p:nvSpPr>
+          <p:cNvPr id="2" name="Title 1">
+            <a:extLst>
+              <a:ext uri="{FF2B5EF4-FFF2-40B4-BE49-F238E27FC236}">
+                <a16:creationId xmlns:a16="http://schemas.microsoft.com/office/drawing/2014/main" id="{016964E3-BB36-4C01-A402-837852D2B585}"/>
+              </a:ext>
+            </a:extLst>
+          </p:cNvPr>
+          <p:cNvSpPr>
+            <a:spLocks noGrp="1"/>
+          </p:cNvSpPr>
+          <p:nvPr>
+            <p:ph type="title"/>
+          </p:nvPr>
+        </p:nvSpPr>
+        <p:spPr/>
+        <p:txBody>
+          <a:bodyPr/>
+          <a:lstStyle/>
+          <a:p>
+            <a:r>
+              <a:rPr lang="en-US" dirty="0"/>
+              <a:t>Technology’s impact on young people:</a:t>
+            </a:r>
+          </a:p>
+        </p:txBody>
+      </p:sp>
+      <p:pic>
+        <p:nvPicPr>
+          <p:cNvPr id="5" name="Content Placeholder 4">
+            <a:extLst>
+              <a:ext uri="{FF2B5EF4-FFF2-40B4-BE49-F238E27FC236}">
+                <a16:creationId xmlns:a16="http://schemas.microsoft.com/office/drawing/2014/main" id="{977AAFB7-D736-43B8-B284-11D01F691B6A}"/>
+              </a:ext>
+            </a:extLst>
+          </p:cNvPr>
+          <p:cNvPicPr>
+            <a:picLocks noGrp="1" noChangeAspect="1"/>
+          </p:cNvPicPr>
+          <p:nvPr>
+            <p:ph idx="1"/>
+          </p:nvPr>
+        </p:nvPicPr>
+        <p:blipFill>
+          <a:blip r:embed="rId3">
+            <a:extLst>
+              <a:ext uri="{28A0092B-C50C-407E-A947-70E740481C1C}">
+                <a14:useLocalDpi xmlns:a14="http://schemas.microsoft.com/office/drawing/2010/main" val="0"/>
+              </a:ext>
+            </a:extLst>
+          </a:blip>
+          <a:stretch>
+            <a:fillRect/>
+          </a:stretch>
+        </p:blipFill>
+        <p:spPr>
+          <a:xfrm>
+            <a:off x="97321" y="1438768"/>
+            <a:ext cx="8596312" cy="3488833"/>
+          </a:xfrm>
+        </p:spPr>
+      </p:pic>
+    </p:spTree>
+    <p:extLst>
+      <p:ext uri="{BB962C8B-B14F-4D97-AF65-F5344CB8AC3E}">
+        <p14:creationId xmlns:p14="http://schemas.microsoft.com/office/powerpoint/2010/main" val="349737418"/>
       </p:ext>
     </p:extLst>
   </p:cSld>

--- a/The Technology that Changed the World.pptx
+++ b/The Technology that Changed the World.pptx
@@ -10,10 +10,10 @@
     <p:sldId id="258" r:id="rId4"/>
     <p:sldId id="259" r:id="rId5"/>
     <p:sldId id="264" r:id="rId6"/>
-    <p:sldId id="261" r:id="rId7"/>
-    <p:sldId id="262" r:id="rId8"/>
-    <p:sldId id="265" r:id="rId9"/>
-    <p:sldId id="260" r:id="rId10"/>
+    <p:sldId id="260" r:id="rId7"/>
+    <p:sldId id="261" r:id="rId8"/>
+    <p:sldId id="262" r:id="rId9"/>
+    <p:sldId id="265" r:id="rId10"/>
     <p:sldId id="266" r:id="rId11"/>
   </p:sldIdLst>
   <p:sldSz cx="12192000" cy="6858000"/>
@@ -5997,14 +5997,6 @@
 <file path=ppt/slides/slide10.xml><?xml version="1.0" encoding="utf-8"?>
 <p:sld xmlns:a="http://schemas.openxmlformats.org/drawingml/2006/main" xmlns:r="http://schemas.openxmlformats.org/officeDocument/2006/relationships" xmlns:p="http://schemas.openxmlformats.org/presentationml/2006/main">
   <p:cSld>
-    <p:bg>
-      <p:bgPr>
-        <a:solidFill>
-          <a:schemeClr val="bg1"/>
-        </a:solidFill>
-        <a:effectLst/>
-      </p:bgPr>
-    </p:bg>
     <p:spTree>
       <p:nvGrpSpPr>
         <p:cNvPr id="1" name=""/>
@@ -6035,20 +6027,14 @@
             <p:ph type="title"/>
           </p:nvPr>
         </p:nvSpPr>
-        <p:spPr>
-          <a:xfrm>
-            <a:off x="677334" y="609600"/>
-            <a:ext cx="8596668" cy="1320800"/>
-          </a:xfrm>
-        </p:spPr>
-        <p:txBody>
-          <a:bodyPr>
-            <a:normAutofit/>
-          </a:bodyPr>
-          <a:lstStyle/>
-          <a:p>
-            <a:r>
-              <a:rPr lang="en-US"/>
+        <p:spPr/>
+        <p:txBody>
+          <a:bodyPr/>
+          <a:lstStyle/>
+          <a:p>
+            <a:pPr algn="ctr"/>
+            <a:r>
+              <a:rPr lang="en-US" dirty="0"/>
               <a:t>Technology’s impact on sports participation:</a:t>
             </a:r>
           </a:p>
@@ -6056,17 +6042,19 @@
       </p:sp>
       <p:pic>
         <p:nvPicPr>
-          <p:cNvPr id="4" name="Picture 3" descr="A picture containing map, text&#10;&#10;Description automatically generated">
+          <p:cNvPr id="5" name="Content Placeholder 4">
             <a:extLst>
               <a:ext uri="{FF2B5EF4-FFF2-40B4-BE49-F238E27FC236}">
-                <a16:creationId xmlns:a16="http://schemas.microsoft.com/office/drawing/2014/main" id="{71EE0FC9-E0F7-481D-9BD7-D8DDF5D24FB0}"/>
+                <a16:creationId xmlns:a16="http://schemas.microsoft.com/office/drawing/2014/main" id="{8C95DBA0-A3E9-4B64-BF35-7C38ADB6EC09}"/>
               </a:ext>
             </a:extLst>
           </p:cNvPr>
           <p:cNvPicPr>
-            <a:picLocks noChangeAspect="1"/>
+            <a:picLocks noGrp="1" noChangeAspect="1"/>
           </p:cNvPicPr>
-          <p:nvPr/>
+          <p:nvPr>
+            <p:ph idx="1"/>
+          </p:nvPr>
         </p:nvPicPr>
         <p:blipFill>
           <a:blip r:embed="rId2">
@@ -6082,20 +6070,17 @@
         </p:blipFill>
         <p:spPr>
           <a:xfrm>
-            <a:off x="3423084" y="2222596"/>
-            <a:ext cx="2913778" cy="2508430"/>
+            <a:off x="6510634" y="1581046"/>
+            <a:ext cx="5229320" cy="4760119"/>
           </a:xfrm>
-          <a:prstGeom prst="rect">
-            <a:avLst/>
-          </a:prstGeom>
         </p:spPr>
       </p:pic>
       <p:pic>
         <p:nvPicPr>
-          <p:cNvPr id="16" name="Content Placeholder 4">
+          <p:cNvPr id="9" name="Picture 8">
             <a:extLst>
               <a:ext uri="{FF2B5EF4-FFF2-40B4-BE49-F238E27FC236}">
-                <a16:creationId xmlns:a16="http://schemas.microsoft.com/office/drawing/2014/main" id="{8C95DBA0-A3E9-4B64-BF35-7C38ADB6EC09}"/>
+                <a16:creationId xmlns:a16="http://schemas.microsoft.com/office/drawing/2014/main" id="{82B21518-251A-4281-8837-4F579F977508}"/>
               </a:ext>
             </a:extLst>
           </p:cNvPr>
@@ -6118,76 +6103,8 @@
         </p:blipFill>
         <p:spPr>
           <a:xfrm>
-            <a:off x="677333" y="2184438"/>
-            <a:ext cx="2596281" cy="3832149"/>
-          </a:xfrm>
-          <a:prstGeom prst="rect">
-            <a:avLst/>
-          </a:prstGeom>
-        </p:spPr>
-      </p:pic>
-      <p:sp>
-        <p:nvSpPr>
-          <p:cNvPr id="17" name="Content Placeholder 13">
-            <a:extLst>
-              <a:ext uri="{FF2B5EF4-FFF2-40B4-BE49-F238E27FC236}">
-                <a16:creationId xmlns:a16="http://schemas.microsoft.com/office/drawing/2014/main" id="{1C74A094-F529-426C-B1F4-0809E67A9984}"/>
-              </a:ext>
-            </a:extLst>
-          </p:cNvPr>
-          <p:cNvSpPr>
-            <a:spLocks noGrp="1"/>
-          </p:cNvSpPr>
-          <p:nvPr>
-            <p:ph idx="1"/>
-          </p:nvPr>
-        </p:nvSpPr>
-        <p:spPr>
-          <a:xfrm>
-            <a:off x="6329363" y="2160589"/>
-            <a:ext cx="2944638" cy="3880773"/>
-          </a:xfrm>
-        </p:spPr>
-        <p:txBody>
-          <a:bodyPr>
-            <a:normAutofit/>
-          </a:bodyPr>
-          <a:lstStyle/>
-          <a:p>
-            <a:endParaRPr lang="en-US" sz="1500"/>
-          </a:p>
-        </p:txBody>
-      </p:sp>
-      <p:pic>
-        <p:nvPicPr>
-          <p:cNvPr id="9" name="Picture 8">
-            <a:extLst>
-              <a:ext uri="{FF2B5EF4-FFF2-40B4-BE49-F238E27FC236}">
-                <a16:creationId xmlns:a16="http://schemas.microsoft.com/office/drawing/2014/main" id="{82B21518-251A-4281-8837-4F579F977508}"/>
-              </a:ext>
-            </a:extLst>
-          </p:cNvPr>
-          <p:cNvPicPr>
-            <a:picLocks noChangeAspect="1"/>
-          </p:cNvPicPr>
-          <p:nvPr/>
-        </p:nvPicPr>
-        <p:blipFill>
-          <a:blip r:embed="rId4">
-            <a:extLst>
-              <a:ext uri="{28A0092B-C50C-407E-A947-70E740481C1C}">
-                <a14:useLocalDpi xmlns:a14="http://schemas.microsoft.com/office/drawing/2010/main" val="0"/>
-              </a:ext>
-            </a:extLst>
-          </a:blip>
-          <a:stretch>
-            <a:fillRect/>
-          </a:stretch>
-        </p:blipFill>
-        <p:spPr>
-          <a:xfrm>
-            <a:off x="6503540" y="3069634"/>
-            <a:ext cx="2596283" cy="1460409"/>
+            <a:off x="1239630" y="3246783"/>
+            <a:ext cx="3951557" cy="2226365"/>
           </a:xfrm>
           <a:prstGeom prst="rect">
             <a:avLst/>
@@ -6880,6 +6797,144 @@
 <file path=ppt/slides/slide6.xml><?xml version="1.0" encoding="utf-8"?>
 <p:sld xmlns:a="http://schemas.openxmlformats.org/drawingml/2006/main" xmlns:r="http://schemas.openxmlformats.org/officeDocument/2006/relationships" xmlns:p="http://schemas.openxmlformats.org/presentationml/2006/main">
   <p:cSld>
+    <p:bg>
+      <p:bgPr>
+        <a:blipFill>
+          <a:blip r:embed="rId2"/>
+          <a:tile tx="0" ty="0" sx="100000" sy="100000" flip="none" algn="tl"/>
+        </a:blipFill>
+        <a:effectLst/>
+      </p:bgPr>
+    </p:bg>
+    <p:spTree>
+      <p:nvGrpSpPr>
+        <p:cNvPr id="1" name=""/>
+        <p:cNvGrpSpPr/>
+        <p:nvPr/>
+      </p:nvGrpSpPr>
+      <p:grpSpPr>
+        <a:xfrm>
+          <a:off x="0" y="0"/>
+          <a:ext cx="0" cy="0"/>
+          <a:chOff x="0" y="0"/>
+          <a:chExt cx="0" cy="0"/>
+        </a:xfrm>
+      </p:grpSpPr>
+      <p:sp>
+        <p:nvSpPr>
+          <p:cNvPr id="2" name="Title 1">
+            <a:extLst>
+              <a:ext uri="{FF2B5EF4-FFF2-40B4-BE49-F238E27FC236}">
+                <a16:creationId xmlns:a16="http://schemas.microsoft.com/office/drawing/2014/main" id="{016964E3-BB36-4C01-A402-837852D2B585}"/>
+              </a:ext>
+            </a:extLst>
+          </p:cNvPr>
+          <p:cNvSpPr>
+            <a:spLocks noGrp="1"/>
+          </p:cNvSpPr>
+          <p:nvPr>
+            <p:ph type="title"/>
+          </p:nvPr>
+        </p:nvSpPr>
+        <p:spPr/>
+        <p:txBody>
+          <a:bodyPr/>
+          <a:lstStyle/>
+          <a:p>
+            <a:r>
+              <a:rPr lang="en-US" dirty="0"/>
+              <a:t>Technology’s impact on young people:</a:t>
+            </a:r>
+          </a:p>
+        </p:txBody>
+      </p:sp>
+      <p:pic>
+        <p:nvPicPr>
+          <p:cNvPr id="5" name="Content Placeholder 4">
+            <a:extLst>
+              <a:ext uri="{FF2B5EF4-FFF2-40B4-BE49-F238E27FC236}">
+                <a16:creationId xmlns:a16="http://schemas.microsoft.com/office/drawing/2014/main" id="{977AAFB7-D736-43B8-B284-11D01F691B6A}"/>
+              </a:ext>
+            </a:extLst>
+          </p:cNvPr>
+          <p:cNvPicPr>
+            <a:picLocks noGrp="1" noChangeAspect="1"/>
+          </p:cNvPicPr>
+          <p:nvPr>
+            <p:ph idx="1"/>
+          </p:nvPr>
+        </p:nvPicPr>
+        <p:blipFill>
+          <a:blip r:embed="rId3">
+            <a:extLst>
+              <a:ext uri="{28A0092B-C50C-407E-A947-70E740481C1C}">
+                <a14:useLocalDpi xmlns:a14="http://schemas.microsoft.com/office/drawing/2010/main" val="0"/>
+              </a:ext>
+            </a:extLst>
+          </a:blip>
+          <a:stretch>
+            <a:fillRect/>
+          </a:stretch>
+        </p:blipFill>
+        <p:spPr>
+          <a:xfrm>
+            <a:off x="97321" y="1438768"/>
+            <a:ext cx="8596312" cy="3488833"/>
+          </a:xfrm>
+        </p:spPr>
+      </p:pic>
+      <p:pic>
+        <p:nvPicPr>
+          <p:cNvPr id="7" name="Picture 6">
+            <a:extLst>
+              <a:ext uri="{FF2B5EF4-FFF2-40B4-BE49-F238E27FC236}">
+                <a16:creationId xmlns:a16="http://schemas.microsoft.com/office/drawing/2014/main" id="{6407C269-7A5C-44AE-8890-6556767C9A39}"/>
+              </a:ext>
+            </a:extLst>
+          </p:cNvPr>
+          <p:cNvPicPr>
+            <a:picLocks noChangeAspect="1"/>
+          </p:cNvPicPr>
+          <p:nvPr/>
+        </p:nvPicPr>
+        <p:blipFill>
+          <a:blip r:embed="rId4">
+            <a:extLst>
+              <a:ext uri="{28A0092B-C50C-407E-A947-70E740481C1C}">
+                <a14:useLocalDpi xmlns:a14="http://schemas.microsoft.com/office/drawing/2010/main" val="0"/>
+              </a:ext>
+            </a:extLst>
+          </a:blip>
+          <a:stretch>
+            <a:fillRect/>
+          </a:stretch>
+        </p:blipFill>
+        <p:spPr>
+          <a:xfrm>
+            <a:off x="8892210" y="4662558"/>
+            <a:ext cx="2924174" cy="1909762"/>
+          </a:xfrm>
+          <a:prstGeom prst="rect">
+            <a:avLst/>
+          </a:prstGeom>
+        </p:spPr>
+      </p:pic>
+    </p:spTree>
+    <p:extLst>
+      <p:ext uri="{BB962C8B-B14F-4D97-AF65-F5344CB8AC3E}">
+        <p14:creationId xmlns:p14="http://schemas.microsoft.com/office/powerpoint/2010/main" val="349737418"/>
+      </p:ext>
+    </p:extLst>
+  </p:cSld>
+  <p:clrMapOvr>
+    <a:masterClrMapping/>
+  </p:clrMapOvr>
+</p:sld>
+</file>
+
+<file path=ppt/slides/slide7.xml><?xml version="1.0" encoding="utf-8"?>
+<p:sld xmlns:a="http://schemas.openxmlformats.org/drawingml/2006/main" xmlns:r="http://schemas.openxmlformats.org/officeDocument/2006/relationships" xmlns:p="http://schemas.openxmlformats.org/presentationml/2006/main">
+  <p:cSld>
     <p:spTree>
       <p:nvGrpSpPr>
         <p:cNvPr id="1" name=""/>
@@ -7051,7 +7106,7 @@
 </p:sld>
 </file>
 
-<file path=ppt/slides/slide7.xml><?xml version="1.0" encoding="utf-8"?>
+<file path=ppt/slides/slide8.xml><?xml version="1.0" encoding="utf-8"?>
 <p:sld xmlns:a="http://schemas.openxmlformats.org/drawingml/2006/main" xmlns:r="http://schemas.openxmlformats.org/officeDocument/2006/relationships" xmlns:p="http://schemas.openxmlformats.org/presentationml/2006/main">
   <p:cSld>
     <p:spTree>
@@ -7181,17 +7236,9 @@
 </p:sld>
 </file>
 
-<file path=ppt/slides/slide8.xml><?xml version="1.0" encoding="utf-8"?>
+<file path=ppt/slides/slide9.xml><?xml version="1.0" encoding="utf-8"?>
 <p:sld xmlns:a="http://schemas.openxmlformats.org/drawingml/2006/main" xmlns:r="http://schemas.openxmlformats.org/officeDocument/2006/relationships" xmlns:p="http://schemas.openxmlformats.org/presentationml/2006/main">
   <p:cSld>
-    <p:bg>
-      <p:bgPr>
-        <a:solidFill>
-          <a:schemeClr val="bg1"/>
-        </a:solidFill>
-        <a:effectLst/>
-      </p:bgPr>
-    </p:bg>
     <p:spTree>
       <p:nvGrpSpPr>
         <p:cNvPr id="1" name=""/>
@@ -7222,16 +7269,9 @@
             <p:ph type="title"/>
           </p:nvPr>
         </p:nvSpPr>
-        <p:spPr>
-          <a:xfrm>
-            <a:off x="677328" y="651012"/>
-            <a:ext cx="2930518" cy="1279387"/>
-          </a:xfrm>
-        </p:spPr>
-        <p:txBody>
-          <a:bodyPr anchor="ctr">
-            <a:normAutofit/>
-          </a:bodyPr>
+        <p:spPr/>
+        <p:txBody>
+          <a:bodyPr/>
           <a:lstStyle/>
           <a:p>
             <a:r>
@@ -7241,44 +7281,9 @@
           </a:p>
         </p:txBody>
       </p:sp>
-      <p:sp>
-        <p:nvSpPr>
-          <p:cNvPr id="27" name="Content Placeholder 13">
-            <a:extLst>
-              <a:ext uri="{FF2B5EF4-FFF2-40B4-BE49-F238E27FC236}">
-                <a16:creationId xmlns:a16="http://schemas.microsoft.com/office/drawing/2014/main" id="{8DA37B8D-B9C3-48FF-BFAB-58CBBC2ECD94}"/>
-              </a:ext>
-            </a:extLst>
-          </p:cNvPr>
-          <p:cNvSpPr>
-            <a:spLocks noGrp="1"/>
-          </p:cNvSpPr>
-          <p:nvPr>
-            <p:ph idx="1"/>
-          </p:nvPr>
-        </p:nvSpPr>
-        <p:spPr>
-          <a:xfrm>
-            <a:off x="677328" y="2160589"/>
-            <a:ext cx="2930517" cy="3880773"/>
-          </a:xfrm>
-        </p:spPr>
-        <p:txBody>
-          <a:bodyPr>
-            <a:normAutofit/>
-          </a:bodyPr>
-          <a:lstStyle/>
-          <a:p>
-            <a:r>
-              <a:rPr lang="en-US" dirty="0"/>
-              <a:t>Computer and internet access at home from 1984 to 2015 </a:t>
-            </a:r>
-          </a:p>
-        </p:txBody>
-      </p:sp>
       <p:pic>
         <p:nvPicPr>
-          <p:cNvPr id="28" name="Content Placeholder 4">
+          <p:cNvPr id="5" name="Content Placeholder 4">
             <a:extLst>
               <a:ext uri="{FF2B5EF4-FFF2-40B4-BE49-F238E27FC236}">
                 <a16:creationId xmlns:a16="http://schemas.microsoft.com/office/drawing/2014/main" id="{19E02658-2A75-4518-A914-2A5EBD62756F}"/>
@@ -7286,9 +7291,11 @@
             </a:extLst>
           </p:cNvPr>
           <p:cNvPicPr>
-            <a:picLocks noChangeAspect="1"/>
+            <a:picLocks noGrp="1" noChangeAspect="1"/>
           </p:cNvPicPr>
-          <p:nvPr/>
+          <p:nvPr>
+            <p:ph idx="1"/>
+          </p:nvPr>
         </p:nvPicPr>
         <p:blipFill>
           <a:blip r:embed="rId2">
@@ -7304,12 +7311,9 @@
         </p:blipFill>
         <p:spPr>
           <a:xfrm>
-            <a:off x="3244458" y="609599"/>
-            <a:ext cx="4334751" cy="1507436"/>
+            <a:off x="106017" y="1141367"/>
+            <a:ext cx="7620000" cy="2090094"/>
           </a:xfrm>
-          <a:prstGeom prst="rect">
-            <a:avLst/>
-          </a:prstGeom>
         </p:spPr>
       </p:pic>
       <p:pic>
@@ -7340,8 +7344,8 @@
         </p:blipFill>
         <p:spPr>
           <a:xfrm>
-            <a:off x="7975859" y="609599"/>
-            <a:ext cx="3996059" cy="1550990"/>
+            <a:off x="5100916" y="3231461"/>
+            <a:ext cx="7091084" cy="1844122"/>
           </a:xfrm>
           <a:prstGeom prst="rect">
             <a:avLst/>
@@ -7350,10 +7354,10 @@
       </p:pic>
       <p:pic>
         <p:nvPicPr>
-          <p:cNvPr id="4" name="Picture 3" descr="A map with text&#10;&#10;Description automatically generated">
+          <p:cNvPr id="9" name="Picture 8">
             <a:extLst>
               <a:ext uri="{FF2B5EF4-FFF2-40B4-BE49-F238E27FC236}">
-                <a16:creationId xmlns:a16="http://schemas.microsoft.com/office/drawing/2014/main" id="{6C4329C4-314E-4763-8B08-35465F486F99}"/>
+                <a16:creationId xmlns:a16="http://schemas.microsoft.com/office/drawing/2014/main" id="{2FC81B54-6BA7-4961-8F5A-E02EEF735998}"/>
               </a:ext>
             </a:extLst>
           </p:cNvPr>
@@ -7376,44 +7380,8 @@
         </p:blipFill>
         <p:spPr>
           <a:xfrm>
-            <a:off x="3399807" y="2956890"/>
-            <a:ext cx="3512857" cy="3575429"/>
-          </a:xfrm>
-          <a:prstGeom prst="rect">
-            <a:avLst/>
-          </a:prstGeom>
-        </p:spPr>
-      </p:pic>
-      <p:pic>
-        <p:nvPicPr>
-          <p:cNvPr id="9" name="Picture 8">
-            <a:extLst>
-              <a:ext uri="{FF2B5EF4-FFF2-40B4-BE49-F238E27FC236}">
-                <a16:creationId xmlns:a16="http://schemas.microsoft.com/office/drawing/2014/main" id="{2FC81B54-6BA7-4961-8F5A-E02EEF735998}"/>
-              </a:ext>
-            </a:extLst>
-          </p:cNvPr>
-          <p:cNvPicPr>
-            <a:picLocks noChangeAspect="1"/>
-          </p:cNvPicPr>
-          <p:nvPr/>
-        </p:nvPicPr>
-        <p:blipFill>
-          <a:blip r:embed="rId5">
-            <a:extLst>
-              <a:ext uri="{28A0092B-C50C-407E-A947-70E740481C1C}">
-                <a14:useLocalDpi xmlns:a14="http://schemas.microsoft.com/office/drawing/2010/main" val="0"/>
-              </a:ext>
-            </a:extLst>
-          </a:blip>
-          <a:stretch>
-            <a:fillRect/>
-          </a:stretch>
-        </p:blipFill>
-        <p:spPr>
-          <a:xfrm>
-            <a:off x="7970750" y="3437139"/>
-            <a:ext cx="3803090" cy="1908313"/>
+            <a:off x="0" y="5007812"/>
+            <a:ext cx="6745357" cy="1850188"/>
           </a:xfrm>
           <a:prstGeom prst="rect">
             <a:avLst/>
@@ -7424,108 +7392,6 @@
     <p:extLst>
       <p:ext uri="{BB962C8B-B14F-4D97-AF65-F5344CB8AC3E}">
         <p14:creationId xmlns:p14="http://schemas.microsoft.com/office/powerpoint/2010/main" val="2905252287"/>
-      </p:ext>
-    </p:extLst>
-  </p:cSld>
-  <p:clrMapOvr>
-    <a:masterClrMapping/>
-  </p:clrMapOvr>
-</p:sld>
-</file>
-
-<file path=ppt/slides/slide9.xml><?xml version="1.0" encoding="utf-8"?>
-<p:sld xmlns:a="http://schemas.openxmlformats.org/drawingml/2006/main" xmlns:r="http://schemas.openxmlformats.org/officeDocument/2006/relationships" xmlns:p="http://schemas.openxmlformats.org/presentationml/2006/main">
-  <p:cSld>
-    <p:bg>
-      <p:bgPr>
-        <a:blipFill>
-          <a:blip r:embed="rId2"/>
-          <a:tile tx="0" ty="0" sx="100000" sy="100000" flip="none" algn="tl"/>
-        </a:blipFill>
-        <a:effectLst/>
-      </p:bgPr>
-    </p:bg>
-    <p:spTree>
-      <p:nvGrpSpPr>
-        <p:cNvPr id="1" name=""/>
-        <p:cNvGrpSpPr/>
-        <p:nvPr/>
-      </p:nvGrpSpPr>
-      <p:grpSpPr>
-        <a:xfrm>
-          <a:off x="0" y="0"/>
-          <a:ext cx="0" cy="0"/>
-          <a:chOff x="0" y="0"/>
-          <a:chExt cx="0" cy="0"/>
-        </a:xfrm>
-      </p:grpSpPr>
-      <p:sp>
-        <p:nvSpPr>
-          <p:cNvPr id="2" name="Title 1">
-            <a:extLst>
-              <a:ext uri="{FF2B5EF4-FFF2-40B4-BE49-F238E27FC236}">
-                <a16:creationId xmlns:a16="http://schemas.microsoft.com/office/drawing/2014/main" id="{016964E3-BB36-4C01-A402-837852D2B585}"/>
-              </a:ext>
-            </a:extLst>
-          </p:cNvPr>
-          <p:cNvSpPr>
-            <a:spLocks noGrp="1"/>
-          </p:cNvSpPr>
-          <p:nvPr>
-            <p:ph type="title"/>
-          </p:nvPr>
-        </p:nvSpPr>
-        <p:spPr/>
-        <p:txBody>
-          <a:bodyPr/>
-          <a:lstStyle/>
-          <a:p>
-            <a:r>
-              <a:rPr lang="en-US" dirty="0"/>
-              <a:t>Technology’s impact on young people:</a:t>
-            </a:r>
-          </a:p>
-        </p:txBody>
-      </p:sp>
-      <p:pic>
-        <p:nvPicPr>
-          <p:cNvPr id="5" name="Content Placeholder 4">
-            <a:extLst>
-              <a:ext uri="{FF2B5EF4-FFF2-40B4-BE49-F238E27FC236}">
-                <a16:creationId xmlns:a16="http://schemas.microsoft.com/office/drawing/2014/main" id="{977AAFB7-D736-43B8-B284-11D01F691B6A}"/>
-              </a:ext>
-            </a:extLst>
-          </p:cNvPr>
-          <p:cNvPicPr>
-            <a:picLocks noGrp="1" noChangeAspect="1"/>
-          </p:cNvPicPr>
-          <p:nvPr>
-            <p:ph idx="1"/>
-          </p:nvPr>
-        </p:nvPicPr>
-        <p:blipFill>
-          <a:blip r:embed="rId3">
-            <a:extLst>
-              <a:ext uri="{28A0092B-C50C-407E-A947-70E740481C1C}">
-                <a14:useLocalDpi xmlns:a14="http://schemas.microsoft.com/office/drawing/2010/main" val="0"/>
-              </a:ext>
-            </a:extLst>
-          </a:blip>
-          <a:stretch>
-            <a:fillRect/>
-          </a:stretch>
-        </p:blipFill>
-        <p:spPr>
-          <a:xfrm>
-            <a:off x="97321" y="1438768"/>
-            <a:ext cx="8596312" cy="3488833"/>
-          </a:xfrm>
-        </p:spPr>
-      </p:pic>
-    </p:spTree>
-    <p:extLst>
-      <p:ext uri="{BB962C8B-B14F-4D97-AF65-F5344CB8AC3E}">
-        <p14:creationId xmlns:p14="http://schemas.microsoft.com/office/powerpoint/2010/main" val="349737418"/>
       </p:ext>
     </p:extLst>
   </p:cSld>
